--- a/Presentations/201609-Chicago-Meeting/PSSM-initial-submission-update.pptx
+++ b/Presentations/201609-Chicago-Meeting/PSSM-initial-submission-update.pptx
@@ -261,7 +261,7 @@
 <file path=ppt/charts/chart1.xml><?xml version="1.0" encoding="utf-8"?>
 <c:chartSpace xmlns:c="http://schemas.openxmlformats.org/drawingml/2006/chart" xmlns:a="http://schemas.openxmlformats.org/drawingml/2006/main" xmlns:r="http://schemas.openxmlformats.org/officeDocument/2006/relationships">
   <c:date1904 val="0"/>
-  <c:lang val="fr-FR"/>
+  <c:lang val="en-US"/>
   <c:roundedCorners val="0"/>
   <mc:AlternateContent xmlns:mc="http://schemas.openxmlformats.org/markup-compatibility/2006">
     <mc:Choice xmlns:c14="http://schemas.microsoft.com/office/drawing/2007/8/2/chart" Requires="c14">
@@ -298,7 +298,6 @@
           </a:p>
         </c:rich>
       </c:tx>
-      <c:layout/>
       <c:overlay val="0"/>
       <c:spPr>
         <a:noFill/>
@@ -323,7 +322,7 @@
               <a:cs typeface="+mn-cs"/>
             </a:defRPr>
           </a:pPr>
-          <a:endParaRPr lang="fr-FR"/>
+          <a:endParaRPr lang="en-US"/>
         </a:p>
       </c:txPr>
     </c:title>
@@ -391,7 +390,7 @@
                     <a:cs typeface="+mn-cs"/>
                   </a:defRPr>
                 </a:pPr>
-                <a:endParaRPr lang="fr-FR"/>
+                <a:endParaRPr lang="en-US"/>
               </a:p>
             </c:txPr>
             <c:dLblPos val="ctr"/>
@@ -404,7 +403,6 @@
             <c:showLeaderLines val="0"/>
             <c:extLst>
               <c:ext xmlns:c15="http://schemas.microsoft.com/office/drawing/2012/chart" uri="{CE6537A1-D6FC-4f65-9D91-7224C49458BB}">
-                <c15:layout/>
                 <c15:showLeaderLines val="1"/>
                 <c15:leaderLines>
                   <c:spPr>
@@ -455,22 +453,22 @@
                 <c:formatCode>General</c:formatCode>
                 <c:ptCount val="6"/>
                 <c:pt idx="0">
-                  <c:v>108</c:v>
+                  <c:v>108.0</c:v>
                 </c:pt>
                 <c:pt idx="1">
-                  <c:v>108</c:v>
+                  <c:v>108.0</c:v>
                 </c:pt>
                 <c:pt idx="2">
-                  <c:v>108</c:v>
+                  <c:v>108.0</c:v>
                 </c:pt>
                 <c:pt idx="3">
-                  <c:v>108</c:v>
+                  <c:v>108.0</c:v>
                 </c:pt>
                 <c:pt idx="4">
-                  <c:v>108</c:v>
+                  <c:v>108.0</c:v>
                 </c:pt>
                 <c:pt idx="5">
-                  <c:v>108</c:v>
+                  <c:v>108.0</c:v>
                 </c:pt>
               </c:numCache>
             </c:numRef>
@@ -535,7 +533,7 @@
                     <a:cs typeface="+mn-cs"/>
                   </a:defRPr>
                 </a:pPr>
-                <a:endParaRPr lang="fr-FR"/>
+                <a:endParaRPr lang="en-US"/>
               </a:p>
             </c:txPr>
             <c:dLblPos val="ctr"/>
@@ -548,7 +546,6 @@
             <c:showLeaderLines val="0"/>
             <c:extLst>
               <c:ext xmlns:c15="http://schemas.microsoft.com/office/drawing/2012/chart" uri="{CE6537A1-D6FC-4f65-9D91-7224C49458BB}">
-                <c15:layout/>
                 <c15:showLeaderLines val="1"/>
                 <c15:leaderLines>
                   <c:spPr>
@@ -599,22 +596,22 @@
                 <c:formatCode>General</c:formatCode>
                 <c:ptCount val="6"/>
                 <c:pt idx="0">
-                  <c:v>0</c:v>
+                  <c:v>0.0</c:v>
                 </c:pt>
                 <c:pt idx="1">
-                  <c:v>41</c:v>
+                  <c:v>41.0</c:v>
                 </c:pt>
                 <c:pt idx="2">
-                  <c:v>70</c:v>
+                  <c:v>70.0</c:v>
                 </c:pt>
                 <c:pt idx="3">
-                  <c:v>88</c:v>
+                  <c:v>88.0</c:v>
                 </c:pt>
                 <c:pt idx="4">
-                  <c:v>94</c:v>
+                  <c:v>94.0</c:v>
                 </c:pt>
                 <c:pt idx="5">
-                  <c:v>108</c:v>
+                  <c:v>108.0</c:v>
                 </c:pt>
               </c:numCache>
             </c:numRef>
@@ -679,7 +676,7 @@
                     <a:cs typeface="+mn-cs"/>
                   </a:defRPr>
                 </a:pPr>
-                <a:endParaRPr lang="fr-FR"/>
+                <a:endParaRPr lang="en-US"/>
               </a:p>
             </c:txPr>
             <c:dLblPos val="ctr"/>
@@ -692,7 +689,6 @@
             <c:showLeaderLines val="0"/>
             <c:extLst>
               <c:ext xmlns:c15="http://schemas.microsoft.com/office/drawing/2012/chart" uri="{CE6537A1-D6FC-4f65-9D91-7224C49458BB}">
-                <c15:layout/>
                 <c15:showLeaderLines val="1"/>
                 <c15:leaderLines>
                   <c:spPr>
@@ -743,22 +739,22 @@
                 <c:formatCode>General</c:formatCode>
                 <c:ptCount val="6"/>
                 <c:pt idx="0">
-                  <c:v>0</c:v>
+                  <c:v>0.0</c:v>
                 </c:pt>
                 <c:pt idx="1">
-                  <c:v>15</c:v>
+                  <c:v>15.0</c:v>
                 </c:pt>
                 <c:pt idx="2">
-                  <c:v>45</c:v>
+                  <c:v>45.0</c:v>
                 </c:pt>
                 <c:pt idx="3">
-                  <c:v>87</c:v>
+                  <c:v>87.0</c:v>
                 </c:pt>
                 <c:pt idx="4">
-                  <c:v>93</c:v>
+                  <c:v>93.0</c:v>
                 </c:pt>
                 <c:pt idx="5">
-                  <c:v>108</c:v>
+                  <c:v>108.0</c:v>
                 </c:pt>
               </c:numCache>
             </c:numRef>
@@ -775,11 +771,11 @@
           <c:showBubbleSize val="0"/>
         </c:dLbls>
         <c:smooth val="0"/>
-        <c:axId val="390571664"/>
-        <c:axId val="486871984"/>
+        <c:axId val="-1280497808"/>
+        <c:axId val="-1280492288"/>
       </c:lineChart>
       <c:catAx>
-        <c:axId val="390571664"/>
+        <c:axId val="-1280497808"/>
         <c:scaling>
           <c:orientation val="minMax"/>
         </c:scaling>
@@ -837,10 +833,10 @@
                 <a:cs typeface="+mn-cs"/>
               </a:defRPr>
             </a:pPr>
-            <a:endParaRPr lang="fr-FR"/>
+            <a:endParaRPr lang="en-US"/>
           </a:p>
         </c:txPr>
-        <c:crossAx val="486871984"/>
+        <c:crossAx val="-1280492288"/>
         <c:crosses val="autoZero"/>
         <c:auto val="1"/>
         <c:lblAlgn val="ctr"/>
@@ -848,7 +844,7 @@
         <c:noMultiLvlLbl val="0"/>
       </c:catAx>
       <c:valAx>
-        <c:axId val="486871984"/>
+        <c:axId val="-1280492288"/>
         <c:scaling>
           <c:orientation val="minMax"/>
         </c:scaling>
@@ -906,10 +902,10 @@
                 <a:cs typeface="+mn-cs"/>
               </a:defRPr>
             </a:pPr>
-            <a:endParaRPr lang="fr-FR"/>
+            <a:endParaRPr lang="en-US"/>
           </a:p>
         </c:txPr>
-        <c:crossAx val="390571664"/>
+        <c:crossAx val="-1280497808"/>
         <c:crosses val="autoZero"/>
         <c:crossBetween val="between"/>
       </c:valAx>
@@ -923,7 +919,6 @@
     </c:plotArea>
     <c:legend>
       <c:legendPos val="t"/>
-      <c:layout/>
       <c:overlay val="0"/>
       <c:spPr>
         <a:noFill/>
@@ -948,7 +943,7 @@
               <a:cs typeface="+mn-cs"/>
             </a:defRPr>
           </a:pPr>
-          <a:endParaRPr lang="fr-FR"/>
+          <a:endParaRPr lang="en-US"/>
         </a:p>
       </c:txPr>
     </c:legend>
@@ -981,7 +976,7 @@
       <a:pPr>
         <a:defRPr/>
       </a:pPr>
-      <a:endParaRPr lang="fr-FR"/>
+      <a:endParaRPr lang="en-US"/>
     </a:p>
   </c:txPr>
   <c:externalData r:id="rId3">
@@ -1661,7 +1656,7 @@
           <a:p>
             <a:fld id="{875AE9CA-C14B-4E19-97C9-513406ADC593}" type="datetimeFigureOut">
               <a:rPr lang="fr-FR" smtClean="0"/>
-              <a:t>06/09/2016</a:t>
+              <a:t>09/09/2016</a:t>
             </a:fld>
             <a:endParaRPr lang="fr-FR"/>
           </a:p>
@@ -1727,7 +1722,7 @@
           <a:p>
             <a:fld id="{D9E359AC-EB57-4019-BE17-C972272DD705}" type="slidenum">
               <a:rPr lang="fr-FR" smtClean="0"/>
-              <a:t>‹N°›</a:t>
+              <a:t>‹#›</a:t>
             </a:fld>
             <a:endParaRPr lang="fr-FR"/>
           </a:p>
@@ -1856,7 +1851,7 @@
               <a:pPr>
                 <a:defRPr/>
               </a:pPr>
-              <a:t>06/09/2016</a:t>
+              <a:t>09/09/2016</a:t>
             </a:fld>
             <a:endParaRPr lang="fr-FR"/>
           </a:p>
@@ -2043,7 +2038,7 @@
               <a:pPr>
                 <a:defRPr/>
               </a:pPr>
-              <a:t>‹N°›</a:t>
+              <a:t>‹#›</a:t>
             </a:fld>
             <a:endParaRPr lang="fr-FR"/>
           </a:p>
@@ -2272,6 +2267,96 @@
 </p:notes>
 </file>
 
+<file path=ppt/notesSlides/notesSlide10.xml><?xml version="1.0" encoding="utf-8"?>
+<p:notes xmlns:a="http://schemas.openxmlformats.org/drawingml/2006/main" xmlns:r="http://schemas.openxmlformats.org/officeDocument/2006/relationships" xmlns:p="http://schemas.openxmlformats.org/presentationml/2006/main">
+  <p:cSld>
+    <p:spTree>
+      <p:nvGrpSpPr>
+        <p:cNvPr id="1" name=""/>
+        <p:cNvGrpSpPr/>
+        <p:nvPr/>
+      </p:nvGrpSpPr>
+      <p:grpSpPr>
+        <a:xfrm>
+          <a:off x="0" y="0"/>
+          <a:ext cx="0" cy="0"/>
+          <a:chOff x="0" y="0"/>
+          <a:chExt cx="0" cy="0"/>
+        </a:xfrm>
+      </p:grpSpPr>
+      <p:sp>
+        <p:nvSpPr>
+          <p:cNvPr id="2" name="Espace réservé de l'image des diapositives 1"/>
+          <p:cNvSpPr>
+            <a:spLocks noGrp="1" noRot="1" noChangeAspect="1"/>
+          </p:cNvSpPr>
+          <p:nvPr>
+            <p:ph type="sldImg"/>
+          </p:nvPr>
+        </p:nvSpPr>
+        <p:spPr/>
+      </p:sp>
+      <p:sp>
+        <p:nvSpPr>
+          <p:cNvPr id="3" name="Espace réservé des commentaires 2"/>
+          <p:cNvSpPr>
+            <a:spLocks noGrp="1"/>
+          </p:cNvSpPr>
+          <p:nvPr>
+            <p:ph type="body" idx="1"/>
+          </p:nvPr>
+        </p:nvSpPr>
+        <p:spPr/>
+        <p:txBody>
+          <a:bodyPr/>
+          <a:lstStyle/>
+          <a:p>
+            <a:endParaRPr lang="fr-FR" dirty="0"/>
+          </a:p>
+        </p:txBody>
+      </p:sp>
+      <p:sp>
+        <p:nvSpPr>
+          <p:cNvPr id="4" name="Espace réservé du numéro de diapositive 3"/>
+          <p:cNvSpPr>
+            <a:spLocks noGrp="1"/>
+          </p:cNvSpPr>
+          <p:nvPr>
+            <p:ph type="sldNum" sz="quarter" idx="10"/>
+          </p:nvPr>
+        </p:nvSpPr>
+        <p:spPr/>
+        <p:txBody>
+          <a:bodyPr/>
+          <a:lstStyle/>
+          <a:p>
+            <a:pPr>
+              <a:defRPr/>
+            </a:pPr>
+            <a:fld id="{E5097153-1DDC-4F13-94F9-FB75DB92492A}" type="slidenum">
+              <a:rPr lang="fr-FR" smtClean="0"/>
+              <a:pPr>
+                <a:defRPr/>
+              </a:pPr>
+              <a:t>65</a:t>
+            </a:fld>
+            <a:endParaRPr lang="fr-FR"/>
+          </a:p>
+        </p:txBody>
+      </p:sp>
+    </p:spTree>
+    <p:extLst>
+      <p:ext uri="{BB962C8B-B14F-4D97-AF65-F5344CB8AC3E}">
+        <p14:creationId xmlns:p14="http://schemas.microsoft.com/office/powerpoint/2010/main" val="3440081759"/>
+      </p:ext>
+    </p:extLst>
+  </p:cSld>
+  <p:clrMapOvr>
+    <a:masterClrMapping/>
+  </p:clrMapOvr>
+</p:notes>
+</file>
+
 <file path=ppt/notesSlides/notesSlide2.xml><?xml version="1.0" encoding="utf-8"?>
 <p:notes xmlns:a="http://schemas.openxmlformats.org/drawingml/2006/main" xmlns:r="http://schemas.openxmlformats.org/officeDocument/2006/relationships" xmlns:p="http://schemas.openxmlformats.org/presentationml/2006/main">
   <p:cSld>
@@ -2496,121 +2581,7 @@
           <a:bodyPr/>
           <a:lstStyle/>
           <a:p>
-            <a:r>
-              <a:rPr lang="en-US" dirty="0" smtClean="0"/>
-              <a:t>Alignment with UML 2.5</a:t>
-            </a:r>
-            <a:r>
-              <a:rPr lang="en-US" baseline="0" dirty="0" smtClean="0"/>
-              <a:t> - </a:t>
-            </a:r>
-            <a:r>
-              <a:rPr lang="en-US" dirty="0" smtClean="0"/>
-              <a:t>PSSM semantic model is aligned with UML 2.5 package structure</a:t>
-            </a:r>
-          </a:p>
-          <a:p>
-            <a:pPr lvl="1"/>
-            <a:endParaRPr lang="en-US" dirty="0" smtClean="0"/>
-          </a:p>
-          <a:p>
-            <a:r>
-              <a:rPr lang="en-US" dirty="0" smtClean="0"/>
-              <a:t>PSSM Semantic model layout</a:t>
-            </a:r>
-          </a:p>
-          <a:p>
-            <a:pPr marL="171450" indent="-171450">
-              <a:buFont typeface="Arial" charset="0"/>
-              <a:buChar char="•"/>
-            </a:pPr>
-            <a:r>
-              <a:rPr lang="en-US" dirty="0" smtClean="0"/>
-              <a:t>Values</a:t>
-            </a:r>
-            <a:r>
-              <a:rPr lang="en-US" baseline="0" dirty="0" smtClean="0"/>
-              <a:t> - </a:t>
-            </a:r>
-            <a:r>
-              <a:rPr lang="en-US" dirty="0" smtClean="0"/>
-              <a:t>Semantic model elements extending fUML and PSCS semantics for values.</a:t>
-            </a:r>
-          </a:p>
-          <a:p>
-            <a:pPr marL="171450" lvl="0" indent="-171450">
-              <a:buFont typeface="Arial" charset="0"/>
-              <a:buChar char="•"/>
-            </a:pPr>
-            <a:r>
-              <a:rPr lang="en-US" dirty="0" err="1" smtClean="0"/>
-              <a:t>StructuredClassifiers</a:t>
-            </a:r>
-            <a:r>
-              <a:rPr lang="en-US" baseline="0" dirty="0" smtClean="0"/>
-              <a:t> - </a:t>
-            </a:r>
-            <a:r>
-              <a:rPr lang="en-US" dirty="0" smtClean="0"/>
-              <a:t>Semantic model elements extending fUML and PSCS semantics for structured classifiers.</a:t>
-            </a:r>
-          </a:p>
-          <a:p>
-            <a:pPr marL="171450" lvl="0" indent="-171450">
-              <a:buFont typeface="Arial" charset="0"/>
-              <a:buChar char="•"/>
-            </a:pPr>
-            <a:r>
-              <a:rPr lang="en-US" dirty="0" smtClean="0"/>
-              <a:t>Common behavior</a:t>
-            </a:r>
-            <a:r>
-              <a:rPr lang="en-US" baseline="0" dirty="0" smtClean="0"/>
-              <a:t> - </a:t>
-            </a:r>
-            <a:r>
-              <a:rPr lang="en-US" dirty="0" smtClean="0"/>
-              <a:t>Semantic model elements extending common behavior semantics for UML state-machines specific needs.</a:t>
-            </a:r>
-          </a:p>
-          <a:p>
-            <a:pPr marL="171450" lvl="0" indent="-171450">
-              <a:buFont typeface="Arial" charset="0"/>
-              <a:buChar char="•"/>
-            </a:pPr>
-            <a:r>
-              <a:rPr lang="en-US" dirty="0" err="1" smtClean="0"/>
-              <a:t>StateMachines</a:t>
-            </a:r>
-            <a:r>
-              <a:rPr lang="en-US" baseline="0" dirty="0" smtClean="0"/>
-              <a:t> - </a:t>
-            </a:r>
-            <a:r>
-              <a:rPr lang="en-US" dirty="0" smtClean="0"/>
-              <a:t>Semantic visitors capturing semantics of behavior state-machines meta-classes.</a:t>
-            </a:r>
-          </a:p>
-          <a:p>
-            <a:pPr marL="171450" lvl="0" indent="-171450">
-              <a:buFont typeface="Arial" charset="0"/>
-              <a:buChar char="•"/>
-            </a:pPr>
-            <a:r>
-              <a:rPr lang="en-US" dirty="0" smtClean="0"/>
-              <a:t>Loci</a:t>
-            </a:r>
-            <a:r>
-              <a:rPr lang="en-US" baseline="0" dirty="0" smtClean="0"/>
-              <a:t> - </a:t>
-            </a:r>
-            <a:r>
-              <a:rPr lang="en-US" dirty="0" smtClean="0"/>
-              <a:t>Semantic model elements extending fUML and PSCS semantics for instantiation.</a:t>
-            </a:r>
-          </a:p>
-          <a:p>
-            <a:endParaRPr lang="en-US" dirty="0"/>
+            <a:endParaRPr lang="en-US"/>
           </a:p>
         </p:txBody>
       </p:sp>
@@ -2637,7 +2608,7 @@
               <a:pPr>
                 <a:defRPr/>
               </a:pPr>
-              <a:t>16</a:t>
+              <a:t>9</a:t>
             </a:fld>
             <a:endParaRPr lang="fr-FR"/>
           </a:p>
@@ -2646,7 +2617,7 @@
     </p:spTree>
     <p:extLst>
       <p:ext uri="{BB962C8B-B14F-4D97-AF65-F5344CB8AC3E}">
-        <p14:creationId xmlns:p14="http://schemas.microsoft.com/office/powerpoint/2010/main" val="265415456"/>
+        <p14:creationId xmlns:p14="http://schemas.microsoft.com/office/powerpoint/2010/main" val="1713943062"/>
       </p:ext>
     </p:extLst>
   </p:cSld>
@@ -2702,22 +2673,25 @@
           <a:p>
             <a:r>
               <a:rPr lang="en-US" dirty="0" smtClean="0"/>
-              <a:t>Structured Classifiers</a:t>
-            </a:r>
-          </a:p>
-          <a:p>
+              <a:t>Alignment with UML 2.5</a:t>
+            </a:r>
+            <a:r>
+              <a:rPr lang="en-US" baseline="0" dirty="0" smtClean="0"/>
+              <a:t> - </a:t>
+            </a:r>
             <a:r>
               <a:rPr lang="en-US" dirty="0" smtClean="0"/>
-              <a:t>(none)</a:t>
-            </a:r>
-          </a:p>
-          <a:p>
+              <a:t>PSSM semantic model is aligned with UML 2.5 package structure</a:t>
+            </a:r>
+          </a:p>
+          <a:p>
+            <a:pPr lvl="1"/>
             <a:endParaRPr lang="en-US" dirty="0" smtClean="0"/>
           </a:p>
           <a:p>
             <a:r>
               <a:rPr lang="en-US" dirty="0" smtClean="0"/>
-              <a:t>Values</a:t>
+              <a:t>PSSM Semantic model layout</a:t>
             </a:r>
           </a:p>
           <a:p>
@@ -2727,206 +2701,90 @@
             </a:pPr>
             <a:r>
               <a:rPr lang="en-US" dirty="0" smtClean="0"/>
-              <a:t>Transition guards are </a:t>
-            </a:r>
-            <a:r>
-              <a:rPr lang="en-US" dirty="0" smtClean="0">
-                <a:solidFill>
-                  <a:schemeClr val="tx1"/>
-                </a:solidFill>
-                <a:latin typeface="Courier New" panose="02070309020205020404" pitchFamily="49" charset="0"/>
-                <a:cs typeface="Courier New" panose="02070309020205020404" pitchFamily="49" charset="0"/>
-              </a:rPr>
-              <a:t>Constraint</a:t>
-            </a:r>
-            <a:endParaRPr lang="en-US" dirty="0" smtClean="0"/>
-          </a:p>
-          <a:p>
-            <a:pPr marL="171450" indent="-171450">
+              <a:t>Values</a:t>
+            </a:r>
+            <a:r>
+              <a:rPr lang="en-US" baseline="0" dirty="0" smtClean="0"/>
+              <a:t> - </a:t>
+            </a:r>
+            <a:r>
+              <a:rPr lang="en-US" dirty="0" smtClean="0"/>
+              <a:t>Semantic model elements extending fUML and PSCS semantics for values.</a:t>
+            </a:r>
+          </a:p>
+          <a:p>
+            <a:pPr marL="171450" lvl="0" indent="-171450">
               <a:buFont typeface="Arial" charset="0"/>
               <a:buChar char="•"/>
             </a:pPr>
             <a:r>
-              <a:rPr lang="en-US" dirty="0" smtClean="0">
-                <a:solidFill>
-                  <a:schemeClr val="tx1"/>
-                </a:solidFill>
-                <a:latin typeface="Courier New" panose="02070309020205020404" pitchFamily="49" charset="0"/>
-                <a:cs typeface="Courier New" panose="02070309020205020404" pitchFamily="49" charset="0"/>
-              </a:rPr>
-              <a:t>Constraint</a:t>
+              <a:rPr lang="en-US" dirty="0" err="1" smtClean="0"/>
+              <a:t>StructuredClassifiers</a:t>
+            </a:r>
+            <a:r>
+              <a:rPr lang="en-US" baseline="0" dirty="0" smtClean="0"/>
+              <a:t> - </a:t>
             </a:r>
             <a:r>
               <a:rPr lang="en-US" dirty="0" smtClean="0"/>
-              <a:t> can have a </a:t>
-            </a:r>
-            <a:r>
-              <a:rPr lang="en-US" dirty="0" smtClean="0">
-                <a:solidFill>
-                  <a:schemeClr val="tx1"/>
-                </a:solidFill>
-                <a:latin typeface="Courier New" panose="02070309020205020404" pitchFamily="49" charset="0"/>
-                <a:cs typeface="Courier New" panose="02070309020205020404" pitchFamily="49" charset="0"/>
-              </a:rPr>
-              <a:t>specification</a:t>
-            </a:r>
-            <a:r>
-              <a:rPr lang="en-US" dirty="0" smtClean="0"/>
-              <a:t> which is a </a:t>
-            </a:r>
-            <a:r>
-              <a:rPr lang="en-US" dirty="0" err="1" smtClean="0">
-                <a:solidFill>
-                  <a:schemeClr val="tx1"/>
-                </a:solidFill>
-                <a:latin typeface="Courier New" panose="02070309020205020404" pitchFamily="49" charset="0"/>
-                <a:cs typeface="Courier New" panose="02070309020205020404" pitchFamily="49" charset="0"/>
-              </a:rPr>
-              <a:t>ValueSpecification</a:t>
-            </a:r>
-            <a:endParaRPr lang="en-US" dirty="0" smtClean="0">
-              <a:solidFill>
-                <a:schemeClr val="tx1"/>
-              </a:solidFill>
-              <a:latin typeface="Courier New" panose="02070309020205020404" pitchFamily="49" charset="0"/>
-              <a:cs typeface="Courier New" panose="02070309020205020404" pitchFamily="49" charset="0"/>
-            </a:endParaRPr>
-          </a:p>
-          <a:p>
-            <a:pPr marL="171450" indent="-171450">
+              <a:t>Semantic model elements extending fUML and PSCS semantics for structured classifiers.</a:t>
+            </a:r>
+          </a:p>
+          <a:p>
+            <a:pPr marL="171450" lvl="0" indent="-171450">
               <a:buFont typeface="Arial" charset="0"/>
               <a:buChar char="•"/>
             </a:pPr>
             <a:r>
-              <a:rPr lang="en-US" dirty="0" smtClean="0">
-                <a:solidFill>
-                  <a:schemeClr val="tx2"/>
-                </a:solidFill>
-                <a:cs typeface="Courier New" panose="02070309020205020404" pitchFamily="49" charset="0"/>
-              </a:rPr>
-              <a:t>An </a:t>
-            </a:r>
-            <a:r>
-              <a:rPr lang="en-US" dirty="0" smtClean="0">
-                <a:solidFill>
-                  <a:schemeClr val="tx1"/>
-                </a:solidFill>
-                <a:latin typeface="Courier New" panose="02070309020205020404" pitchFamily="49" charset="0"/>
-                <a:cs typeface="Courier New" panose="02070309020205020404" pitchFamily="49" charset="0"/>
-              </a:rPr>
-              <a:t>OpaqueExpression </a:t>
-            </a:r>
-            <a:r>
-              <a:rPr lang="en-US" dirty="0" smtClean="0">
-                <a:solidFill>
-                  <a:schemeClr val="tx2"/>
-                </a:solidFill>
-                <a:cs typeface="Courier New" panose="02070309020205020404" pitchFamily="49" charset="0"/>
-              </a:rPr>
-              <a:t>is a kind of </a:t>
-            </a:r>
-            <a:r>
-              <a:rPr lang="en-US" dirty="0" err="1" smtClean="0">
-                <a:solidFill>
-                  <a:schemeClr val="tx1"/>
-                </a:solidFill>
-                <a:latin typeface="Courier New" panose="02070309020205020404" pitchFamily="49" charset="0"/>
-                <a:cs typeface="Courier New" panose="02070309020205020404" pitchFamily="49" charset="0"/>
-              </a:rPr>
-              <a:t>ValueSpecification</a:t>
-            </a:r>
-            <a:r>
-              <a:rPr lang="en-US" dirty="0" smtClean="0">
-                <a:solidFill>
-                  <a:schemeClr val="tx2"/>
-                </a:solidFill>
-                <a:cs typeface="Courier New" panose="02070309020205020404" pitchFamily="49" charset="0"/>
-              </a:rPr>
-              <a:t> which can be associated to a </a:t>
-            </a:r>
-            <a:r>
-              <a:rPr lang="en-US" dirty="0" smtClean="0">
-                <a:solidFill>
-                  <a:schemeClr val="tx1"/>
-                </a:solidFill>
-                <a:latin typeface="Courier New" panose="02070309020205020404" pitchFamily="49" charset="0"/>
-                <a:cs typeface="Courier New" panose="02070309020205020404" pitchFamily="49" charset="0"/>
-              </a:rPr>
-              <a:t>Behavior</a:t>
-            </a:r>
-            <a:r>
-              <a:rPr lang="en-US" dirty="0" smtClean="0">
-                <a:solidFill>
-                  <a:schemeClr val="tx2"/>
-                </a:solidFill>
-                <a:cs typeface="Courier New" panose="02070309020205020404" pitchFamily="49" charset="0"/>
-              </a:rPr>
-              <a:t>. </a:t>
-            </a:r>
-          </a:p>
-          <a:p>
-            <a:endParaRPr lang="en-US" dirty="0" smtClean="0"/>
-          </a:p>
-          <a:p>
-            <a:r>
               <a:rPr lang="en-US" dirty="0" smtClean="0"/>
-              <a:t>Common Behavior</a:t>
-            </a:r>
-          </a:p>
-          <a:p>
-            <a:pPr marL="171450" indent="-171450">
+              <a:t>Common behavior</a:t>
+            </a:r>
+            <a:r>
+              <a:rPr lang="en-US" baseline="0" dirty="0" smtClean="0"/>
+              <a:t> - </a:t>
+            </a:r>
+            <a:r>
+              <a:rPr lang="en-US" dirty="0" smtClean="0"/>
+              <a:t>Semantic model elements extending common behavior semantics for UML state-machines specific needs.</a:t>
+            </a:r>
+          </a:p>
+          <a:p>
+            <a:pPr marL="171450" lvl="0" indent="-171450">
               <a:buFont typeface="Arial" charset="0"/>
               <a:buChar char="•"/>
             </a:pPr>
             <a:r>
+              <a:rPr lang="en-US" dirty="0" err="1" smtClean="0"/>
+              <a:t>StateMachines</a:t>
+            </a:r>
+            <a:r>
+              <a:rPr lang="en-US" baseline="0" dirty="0" smtClean="0"/>
+              <a:t> - </a:t>
+            </a:r>
+            <a:r>
               <a:rPr lang="en-US" dirty="0" smtClean="0"/>
-              <a:t>Allow registration of completion events</a:t>
-            </a:r>
-          </a:p>
-          <a:p>
-            <a:pPr marL="628650" lvl="1" indent="-171450">
+              <a:t>Semantic visitors capturing semantics of behavior state-machines meta-classes.</a:t>
+            </a:r>
+          </a:p>
+          <a:p>
+            <a:pPr marL="171450" lvl="0" indent="-171450">
               <a:buFont typeface="Arial" charset="0"/>
               <a:buChar char="•"/>
             </a:pPr>
             <a:r>
               <a:rPr lang="en-US" dirty="0" smtClean="0"/>
-              <a:t>Generated when a state completes</a:t>
-            </a:r>
-          </a:p>
-          <a:p>
-            <a:pPr marL="171450" indent="-171450">
-              <a:buFont typeface="Arial" charset="0"/>
-              <a:buChar char="•"/>
-            </a:pPr>
+              <a:t>Loci</a:t>
+            </a:r>
+            <a:r>
+              <a:rPr lang="en-US" baseline="0" dirty="0" smtClean="0"/>
+              <a:t> - </a:t>
+            </a:r>
             <a:r>
               <a:rPr lang="en-US" dirty="0" smtClean="0"/>
-              <a:t>Allow handling of deferred events</a:t>
-            </a:r>
-          </a:p>
-          <a:p>
-            <a:pPr marL="628650" lvl="1" indent="-171450">
-              <a:buFont typeface="Arial" charset="0"/>
-              <a:buChar char="•"/>
-            </a:pPr>
-            <a:r>
-              <a:rPr lang="en-US" dirty="0" smtClean="0"/>
-              <a:t>Deferred events are event occurrences whose dispatching needs to be deferred in the current state-machine configuration.</a:t>
-            </a:r>
-          </a:p>
-          <a:p>
-            <a:endParaRPr lang="en-US" dirty="0" smtClean="0"/>
-          </a:p>
-          <a:p>
-            <a:r>
-              <a:rPr lang="en-US" dirty="0" smtClean="0"/>
-              <a:t>Loci</a:t>
-            </a:r>
-          </a:p>
-          <a:p>
-            <a:r>
-              <a:rPr lang="en-US" dirty="0" smtClean="0"/>
-              <a:t>(none)</a:t>
-            </a:r>
+              <a:t>Semantic model elements extending fUML and PSCS semantics for instantiation.</a:t>
+            </a:r>
+          </a:p>
+          <a:p>
             <a:endParaRPr lang="en-US" dirty="0"/>
           </a:p>
         </p:txBody>
@@ -2954,7 +2812,7 @@
               <a:pPr>
                 <a:defRPr/>
               </a:pPr>
-              <a:t>22</a:t>
+              <a:t>16</a:t>
             </a:fld>
             <a:endParaRPr lang="fr-FR"/>
           </a:p>
@@ -2963,7 +2821,7 @@
     </p:spTree>
     <p:extLst>
       <p:ext uri="{BB962C8B-B14F-4D97-AF65-F5344CB8AC3E}">
-        <p14:creationId xmlns:p14="http://schemas.microsoft.com/office/powerpoint/2010/main" val="2100708574"/>
+        <p14:creationId xmlns:p14="http://schemas.microsoft.com/office/powerpoint/2010/main" val="265415456"/>
       </p:ext>
     </p:extLst>
   </p:cSld>
@@ -3271,7 +3129,7 @@
               <a:pPr>
                 <a:defRPr/>
               </a:pPr>
-              <a:t>25</a:t>
+              <a:t>22</a:t>
             </a:fld>
             <a:endParaRPr lang="fr-FR"/>
           </a:p>
@@ -3280,7 +3138,7 @@
     </p:spTree>
     <p:extLst>
       <p:ext uri="{BB962C8B-B14F-4D97-AF65-F5344CB8AC3E}">
-        <p14:creationId xmlns:p14="http://schemas.microsoft.com/office/powerpoint/2010/main" val="1825198054"/>
+        <p14:creationId xmlns:p14="http://schemas.microsoft.com/office/powerpoint/2010/main" val="2100708574"/>
       </p:ext>
     </p:extLst>
   </p:cSld>
@@ -3588,7 +3446,7 @@
               <a:pPr>
                 <a:defRPr/>
               </a:pPr>
-              <a:t>26</a:t>
+              <a:t>25</a:t>
             </a:fld>
             <a:endParaRPr lang="fr-FR"/>
           </a:p>
@@ -3597,7 +3455,7 @@
     </p:spTree>
     <p:extLst>
       <p:ext uri="{BB962C8B-B14F-4D97-AF65-F5344CB8AC3E}">
-        <p14:creationId xmlns:p14="http://schemas.microsoft.com/office/powerpoint/2010/main" val="1501358213"/>
+        <p14:creationId xmlns:p14="http://schemas.microsoft.com/office/powerpoint/2010/main" val="1825198054"/>
       </p:ext>
     </p:extLst>
   </p:cSld>
@@ -3651,6 +3509,233 @@
           <a:bodyPr/>
           <a:lstStyle/>
           <a:p>
+            <a:r>
+              <a:rPr lang="en-US" dirty="0" smtClean="0"/>
+              <a:t>Structured Classifiers</a:t>
+            </a:r>
+          </a:p>
+          <a:p>
+            <a:r>
+              <a:rPr lang="en-US" dirty="0" smtClean="0"/>
+              <a:t>(none)</a:t>
+            </a:r>
+          </a:p>
+          <a:p>
+            <a:endParaRPr lang="en-US" dirty="0" smtClean="0"/>
+          </a:p>
+          <a:p>
+            <a:r>
+              <a:rPr lang="en-US" dirty="0" smtClean="0"/>
+              <a:t>Values</a:t>
+            </a:r>
+          </a:p>
+          <a:p>
+            <a:pPr marL="171450" indent="-171450">
+              <a:buFont typeface="Arial" charset="0"/>
+              <a:buChar char="•"/>
+            </a:pPr>
+            <a:r>
+              <a:rPr lang="en-US" dirty="0" smtClean="0"/>
+              <a:t>Transition guards are </a:t>
+            </a:r>
+            <a:r>
+              <a:rPr lang="en-US" dirty="0" smtClean="0">
+                <a:solidFill>
+                  <a:schemeClr val="tx1"/>
+                </a:solidFill>
+                <a:latin typeface="Courier New" panose="02070309020205020404" pitchFamily="49" charset="0"/>
+                <a:cs typeface="Courier New" panose="02070309020205020404" pitchFamily="49" charset="0"/>
+              </a:rPr>
+              <a:t>Constraint</a:t>
+            </a:r>
+            <a:endParaRPr lang="en-US" dirty="0" smtClean="0"/>
+          </a:p>
+          <a:p>
+            <a:pPr marL="171450" indent="-171450">
+              <a:buFont typeface="Arial" charset="0"/>
+              <a:buChar char="•"/>
+            </a:pPr>
+            <a:r>
+              <a:rPr lang="en-US" dirty="0" smtClean="0">
+                <a:solidFill>
+                  <a:schemeClr val="tx1"/>
+                </a:solidFill>
+                <a:latin typeface="Courier New" panose="02070309020205020404" pitchFamily="49" charset="0"/>
+                <a:cs typeface="Courier New" panose="02070309020205020404" pitchFamily="49" charset="0"/>
+              </a:rPr>
+              <a:t>Constraint</a:t>
+            </a:r>
+            <a:r>
+              <a:rPr lang="en-US" dirty="0" smtClean="0"/>
+              <a:t> can have a </a:t>
+            </a:r>
+            <a:r>
+              <a:rPr lang="en-US" dirty="0" smtClean="0">
+                <a:solidFill>
+                  <a:schemeClr val="tx1"/>
+                </a:solidFill>
+                <a:latin typeface="Courier New" panose="02070309020205020404" pitchFamily="49" charset="0"/>
+                <a:cs typeface="Courier New" panose="02070309020205020404" pitchFamily="49" charset="0"/>
+              </a:rPr>
+              <a:t>specification</a:t>
+            </a:r>
+            <a:r>
+              <a:rPr lang="en-US" dirty="0" smtClean="0"/>
+              <a:t> which is a </a:t>
+            </a:r>
+            <a:r>
+              <a:rPr lang="en-US" dirty="0" err="1" smtClean="0">
+                <a:solidFill>
+                  <a:schemeClr val="tx1"/>
+                </a:solidFill>
+                <a:latin typeface="Courier New" panose="02070309020205020404" pitchFamily="49" charset="0"/>
+                <a:cs typeface="Courier New" panose="02070309020205020404" pitchFamily="49" charset="0"/>
+              </a:rPr>
+              <a:t>ValueSpecification</a:t>
+            </a:r>
+            <a:endParaRPr lang="en-US" dirty="0" smtClean="0">
+              <a:solidFill>
+                <a:schemeClr val="tx1"/>
+              </a:solidFill>
+              <a:latin typeface="Courier New" panose="02070309020205020404" pitchFamily="49" charset="0"/>
+              <a:cs typeface="Courier New" panose="02070309020205020404" pitchFamily="49" charset="0"/>
+            </a:endParaRPr>
+          </a:p>
+          <a:p>
+            <a:pPr marL="171450" indent="-171450">
+              <a:buFont typeface="Arial" charset="0"/>
+              <a:buChar char="•"/>
+            </a:pPr>
+            <a:r>
+              <a:rPr lang="en-US" dirty="0" smtClean="0">
+                <a:solidFill>
+                  <a:schemeClr val="tx2"/>
+                </a:solidFill>
+                <a:cs typeface="Courier New" panose="02070309020205020404" pitchFamily="49" charset="0"/>
+              </a:rPr>
+              <a:t>An </a:t>
+            </a:r>
+            <a:r>
+              <a:rPr lang="en-US" dirty="0" smtClean="0">
+                <a:solidFill>
+                  <a:schemeClr val="tx1"/>
+                </a:solidFill>
+                <a:latin typeface="Courier New" panose="02070309020205020404" pitchFamily="49" charset="0"/>
+                <a:cs typeface="Courier New" panose="02070309020205020404" pitchFamily="49" charset="0"/>
+              </a:rPr>
+              <a:t>OpaqueExpression </a:t>
+            </a:r>
+            <a:r>
+              <a:rPr lang="en-US" dirty="0" smtClean="0">
+                <a:solidFill>
+                  <a:schemeClr val="tx2"/>
+                </a:solidFill>
+                <a:cs typeface="Courier New" panose="02070309020205020404" pitchFamily="49" charset="0"/>
+              </a:rPr>
+              <a:t>is a kind of </a:t>
+            </a:r>
+            <a:r>
+              <a:rPr lang="en-US" dirty="0" err="1" smtClean="0">
+                <a:solidFill>
+                  <a:schemeClr val="tx1"/>
+                </a:solidFill>
+                <a:latin typeface="Courier New" panose="02070309020205020404" pitchFamily="49" charset="0"/>
+                <a:cs typeface="Courier New" panose="02070309020205020404" pitchFamily="49" charset="0"/>
+              </a:rPr>
+              <a:t>ValueSpecification</a:t>
+            </a:r>
+            <a:r>
+              <a:rPr lang="en-US" dirty="0" smtClean="0">
+                <a:solidFill>
+                  <a:schemeClr val="tx2"/>
+                </a:solidFill>
+                <a:cs typeface="Courier New" panose="02070309020205020404" pitchFamily="49" charset="0"/>
+              </a:rPr>
+              <a:t> which can be associated to a </a:t>
+            </a:r>
+            <a:r>
+              <a:rPr lang="en-US" dirty="0" smtClean="0">
+                <a:solidFill>
+                  <a:schemeClr val="tx1"/>
+                </a:solidFill>
+                <a:latin typeface="Courier New" panose="02070309020205020404" pitchFamily="49" charset="0"/>
+                <a:cs typeface="Courier New" panose="02070309020205020404" pitchFamily="49" charset="0"/>
+              </a:rPr>
+              <a:t>Behavior</a:t>
+            </a:r>
+            <a:r>
+              <a:rPr lang="en-US" dirty="0" smtClean="0">
+                <a:solidFill>
+                  <a:schemeClr val="tx2"/>
+                </a:solidFill>
+                <a:cs typeface="Courier New" panose="02070309020205020404" pitchFamily="49" charset="0"/>
+              </a:rPr>
+              <a:t>. </a:t>
+            </a:r>
+          </a:p>
+          <a:p>
+            <a:endParaRPr lang="en-US" dirty="0" smtClean="0"/>
+          </a:p>
+          <a:p>
+            <a:r>
+              <a:rPr lang="en-US" dirty="0" smtClean="0"/>
+              <a:t>Common Behavior</a:t>
+            </a:r>
+          </a:p>
+          <a:p>
+            <a:pPr marL="171450" indent="-171450">
+              <a:buFont typeface="Arial" charset="0"/>
+              <a:buChar char="•"/>
+            </a:pPr>
+            <a:r>
+              <a:rPr lang="en-US" dirty="0" smtClean="0"/>
+              <a:t>Allow registration of completion events</a:t>
+            </a:r>
+          </a:p>
+          <a:p>
+            <a:pPr marL="628650" lvl="1" indent="-171450">
+              <a:buFont typeface="Arial" charset="0"/>
+              <a:buChar char="•"/>
+            </a:pPr>
+            <a:r>
+              <a:rPr lang="en-US" dirty="0" smtClean="0"/>
+              <a:t>Generated when a state completes</a:t>
+            </a:r>
+          </a:p>
+          <a:p>
+            <a:pPr marL="171450" indent="-171450">
+              <a:buFont typeface="Arial" charset="0"/>
+              <a:buChar char="•"/>
+            </a:pPr>
+            <a:r>
+              <a:rPr lang="en-US" dirty="0" smtClean="0"/>
+              <a:t>Allow handling of deferred events</a:t>
+            </a:r>
+          </a:p>
+          <a:p>
+            <a:pPr marL="628650" lvl="1" indent="-171450">
+              <a:buFont typeface="Arial" charset="0"/>
+              <a:buChar char="•"/>
+            </a:pPr>
+            <a:r>
+              <a:rPr lang="en-US" dirty="0" smtClean="0"/>
+              <a:t>Deferred events are event occurrences whose dispatching needs to be deferred in the current state-machine configuration.</a:t>
+            </a:r>
+          </a:p>
+          <a:p>
+            <a:endParaRPr lang="en-US" dirty="0" smtClean="0"/>
+          </a:p>
+          <a:p>
+            <a:r>
+              <a:rPr lang="en-US" dirty="0" smtClean="0"/>
+              <a:t>Loci</a:t>
+            </a:r>
+          </a:p>
+          <a:p>
+            <a:r>
+              <a:rPr lang="en-US" dirty="0" smtClean="0"/>
+              <a:t>(none)</a:t>
+            </a:r>
             <a:endParaRPr lang="en-US" dirty="0"/>
           </a:p>
         </p:txBody>
@@ -3678,7 +3763,7 @@
               <a:pPr>
                 <a:defRPr/>
               </a:pPr>
-              <a:t>32</a:t>
+              <a:t>26</a:t>
             </a:fld>
             <a:endParaRPr lang="fr-FR"/>
           </a:p>
@@ -3687,7 +3772,7 @@
     </p:spTree>
     <p:extLst>
       <p:ext uri="{BB962C8B-B14F-4D97-AF65-F5344CB8AC3E}">
-        <p14:creationId xmlns:p14="http://schemas.microsoft.com/office/powerpoint/2010/main" val="1037120287"/>
+        <p14:creationId xmlns:p14="http://schemas.microsoft.com/office/powerpoint/2010/main" val="1501358213"/>
       </p:ext>
     </p:extLst>
   </p:cSld>
@@ -3716,7 +3801,7 @@
       </p:grpSpPr>
       <p:sp>
         <p:nvSpPr>
-          <p:cNvPr id="2" name="Espace réservé de l'image des diapositives 1"/>
+          <p:cNvPr id="2" name="Slide Image Placeholder 1"/>
           <p:cNvSpPr>
             <a:spLocks noGrp="1" noRot="1" noChangeAspect="1"/>
           </p:cNvSpPr>
@@ -3728,7 +3813,7 @@
       </p:sp>
       <p:sp>
         <p:nvSpPr>
-          <p:cNvPr id="3" name="Espace réservé des commentaires 2"/>
+          <p:cNvPr id="3" name="Notes Placeholder 2"/>
           <p:cNvSpPr>
             <a:spLocks noGrp="1"/>
           </p:cNvSpPr>
@@ -3741,13 +3826,13 @@
           <a:bodyPr/>
           <a:lstStyle/>
           <a:p>
-            <a:endParaRPr lang="fr-FR" dirty="0"/>
-          </a:p>
-        </p:txBody>
-      </p:sp>
-      <p:sp>
-        <p:nvSpPr>
-          <p:cNvPr id="4" name="Espace réservé du numéro de diapositive 3"/>
+            <a:endParaRPr lang="en-US" dirty="0"/>
+          </a:p>
+        </p:txBody>
+      </p:sp>
+      <p:sp>
+        <p:nvSpPr>
+          <p:cNvPr id="4" name="Slide Number Placeholder 3"/>
           <p:cNvSpPr>
             <a:spLocks noGrp="1"/>
           </p:cNvSpPr>
@@ -3768,7 +3853,7 @@
               <a:pPr>
                 <a:defRPr/>
               </a:pPr>
-              <a:t>65</a:t>
+              <a:t>32</a:t>
             </a:fld>
             <a:endParaRPr lang="fr-FR"/>
           </a:p>
@@ -3777,7 +3862,7 @@
     </p:spTree>
     <p:extLst>
       <p:ext uri="{BB962C8B-B14F-4D97-AF65-F5344CB8AC3E}">
-        <p14:creationId xmlns:p14="http://schemas.microsoft.com/office/powerpoint/2010/main" val="3440081759"/>
+        <p14:creationId xmlns:p14="http://schemas.microsoft.com/office/powerpoint/2010/main" val="1037120287"/>
       </p:ext>
     </p:extLst>
   </p:cSld>
@@ -3895,8 +3980,8 @@
           </a:lstStyle>
           <a:p>
             <a:r>
-              <a:rPr lang="en-US" altLang="en-US" dirty="0" smtClean="0"/>
-              <a:t>14 Septembre 2016</a:t>
+              <a:rPr lang="en-US" altLang="en-US" smtClean="0"/>
+              <a:t>14 September 2016</a:t>
             </a:r>
             <a:endParaRPr lang="en-US" altLang="en-US" dirty="0"/>
           </a:p>
@@ -3957,7 +4042,7 @@
             <a:fld id="{8C53F4D0-3818-D347-966E-B96BA407C75C}" type="slidenum">
               <a:rPr lang="en-US" altLang="en-US"/>
               <a:pPr/>
-              <a:t>‹N°›</a:t>
+              <a:t>‹#›</a:t>
             </a:fld>
             <a:endParaRPr lang="en-US" altLang="en-US"/>
           </a:p>
@@ -4089,7 +4174,7 @@
           <a:p>
             <a:r>
               <a:rPr lang="en-US" altLang="en-US" smtClean="0"/>
-              <a:t>16 March 2016</a:t>
+              <a:t>14 September 2016</a:t>
             </a:r>
             <a:endParaRPr lang="en-US" altLang="en-US"/>
           </a:p>
@@ -4140,7 +4225,7 @@
             <a:fld id="{EF31F519-05A2-CB4D-82FE-1844DED01FAF}" type="slidenum">
               <a:rPr lang="en-US" altLang="en-US"/>
               <a:pPr/>
-              <a:t>‹N°›</a:t>
+              <a:t>‹#›</a:t>
             </a:fld>
             <a:endParaRPr lang="en-US" altLang="en-US"/>
           </a:p>
@@ -4282,7 +4367,7 @@
           <a:p>
             <a:r>
               <a:rPr lang="en-US" altLang="en-US" smtClean="0"/>
-              <a:t>16 March 2016</a:t>
+              <a:t>14 September 2016</a:t>
             </a:r>
             <a:endParaRPr lang="en-US" altLang="en-US"/>
           </a:p>
@@ -4333,7 +4418,7 @@
             <a:fld id="{8098CFB5-4DA6-6948-8AE1-B376C8D7D690}" type="slidenum">
               <a:rPr lang="en-US" altLang="en-US"/>
               <a:pPr/>
-              <a:t>‹N°›</a:t>
+              <a:t>‹#›</a:t>
             </a:fld>
             <a:endParaRPr lang="en-US" altLang="en-US"/>
           </a:p>
@@ -5826,7 +5911,7 @@
           <a:p>
             <a:r>
               <a:rPr lang="en-US" altLang="en-US" smtClean="0"/>
-              <a:t>16 March 2016</a:t>
+              <a:t>14 September 2016</a:t>
             </a:r>
             <a:endParaRPr lang="en-US" altLang="en-US"/>
           </a:p>
@@ -5877,7 +5962,7 @@
             <a:fld id="{24E3016D-4C6C-FC42-B389-9B6B8C67C5F0}" type="slidenum">
               <a:rPr lang="en-US" altLang="en-US"/>
               <a:pPr/>
-              <a:t>‹N°›</a:t>
+              <a:t>‹#›</a:t>
             </a:fld>
             <a:endParaRPr lang="en-US" altLang="en-US"/>
           </a:p>
@@ -6031,7 +6116,7 @@
           <a:p>
             <a:r>
               <a:rPr lang="en-US" altLang="en-US" smtClean="0"/>
-              <a:t>16 March 2016</a:t>
+              <a:t>14 September 2016</a:t>
             </a:r>
             <a:endParaRPr lang="en-US" altLang="en-US"/>
           </a:p>
@@ -6082,7 +6167,7 @@
             <a:fld id="{D703DF45-8AAC-1140-A1E5-0877B369B512}" type="slidenum">
               <a:rPr lang="en-US" altLang="en-US"/>
               <a:pPr/>
-              <a:t>‹N°›</a:t>
+              <a:t>‹#›</a:t>
             </a:fld>
             <a:endParaRPr lang="en-US" altLang="en-US"/>
           </a:p>
@@ -6276,7 +6361,7 @@
           <a:p>
             <a:r>
               <a:rPr lang="en-US" altLang="en-US" smtClean="0"/>
-              <a:t>16 March 2016</a:t>
+              <a:t>14 September 2016</a:t>
             </a:r>
             <a:endParaRPr lang="en-US" altLang="en-US"/>
           </a:p>
@@ -6327,7 +6412,7 @@
             <a:fld id="{3ACE4635-850E-0146-B633-153EE1D425D9}" type="slidenum">
               <a:rPr lang="en-US" altLang="en-US"/>
               <a:pPr/>
-              <a:t>‹N°›</a:t>
+              <a:t>‹#›</a:t>
             </a:fld>
             <a:endParaRPr lang="en-US" altLang="en-US"/>
           </a:p>
@@ -6656,7 +6741,7 @@
           <a:p>
             <a:r>
               <a:rPr lang="en-US" altLang="en-US" smtClean="0"/>
-              <a:t>16 March 2016</a:t>
+              <a:t>14 September 2016</a:t>
             </a:r>
             <a:endParaRPr lang="en-US" altLang="en-US"/>
           </a:p>
@@ -6707,7 +6792,7 @@
             <a:fld id="{7965CB45-47DB-6643-B7C7-6DF31728C16C}" type="slidenum">
               <a:rPr lang="en-US" altLang="en-US"/>
               <a:pPr/>
-              <a:t>‹N°›</a:t>
+              <a:t>‹#›</a:t>
             </a:fld>
             <a:endParaRPr lang="en-US" altLang="en-US"/>
           </a:p>
@@ -6787,7 +6872,7 @@
           <a:p>
             <a:r>
               <a:rPr lang="en-US" altLang="en-US" smtClean="0"/>
-              <a:t>16 March 2016</a:t>
+              <a:t>14 September 2016</a:t>
             </a:r>
             <a:endParaRPr lang="en-US" altLang="en-US"/>
           </a:p>
@@ -6838,7 +6923,7 @@
             <a:fld id="{9F92182E-64AA-F941-A040-F5ADA82DD3F4}" type="slidenum">
               <a:rPr lang="en-US" altLang="en-US"/>
               <a:pPr/>
-              <a:t>‹N°›</a:t>
+              <a:t>‹#›</a:t>
             </a:fld>
             <a:endParaRPr lang="en-US" altLang="en-US"/>
           </a:p>
@@ -6895,7 +6980,7 @@
           <a:p>
             <a:r>
               <a:rPr lang="en-US" altLang="en-US" smtClean="0"/>
-              <a:t>16 March 2016</a:t>
+              <a:t>14 September 2016</a:t>
             </a:r>
             <a:endParaRPr lang="en-US" altLang="en-US"/>
           </a:p>
@@ -6946,7 +7031,7 @@
             <a:fld id="{59A4A638-5E2D-DD44-BE7E-19C18BA4A01F}" type="slidenum">
               <a:rPr lang="en-US" altLang="en-US"/>
               <a:pPr/>
-              <a:t>‹N°›</a:t>
+              <a:t>‹#›</a:t>
             </a:fld>
             <a:endParaRPr lang="en-US" altLang="en-US"/>
           </a:p>
@@ -7185,7 +7270,7 @@
           <a:p>
             <a:r>
               <a:rPr lang="en-US" altLang="en-US" smtClean="0"/>
-              <a:t>16 March 2016</a:t>
+              <a:t>14 September 2016</a:t>
             </a:r>
             <a:endParaRPr lang="en-US" altLang="en-US"/>
           </a:p>
@@ -7236,7 +7321,7 @@
             <a:fld id="{74BF302E-0CEF-AF45-8C5F-763F864163E5}" type="slidenum">
               <a:rPr lang="en-US" altLang="en-US"/>
               <a:pPr/>
-              <a:t>‹N°›</a:t>
+              <a:t>‹#›</a:t>
             </a:fld>
             <a:endParaRPr lang="en-US" altLang="en-US"/>
           </a:p>
@@ -7451,7 +7536,7 @@
           <a:p>
             <a:r>
               <a:rPr lang="en-US" altLang="en-US" smtClean="0"/>
-              <a:t>16 March 2016</a:t>
+              <a:t>14 September 2016</a:t>
             </a:r>
             <a:endParaRPr lang="en-US" altLang="en-US"/>
           </a:p>
@@ -7502,7 +7587,7 @@
             <a:fld id="{C6982A93-F3B6-2C4E-88BF-0CFF9FE172DC}" type="slidenum">
               <a:rPr lang="en-US" altLang="en-US"/>
               <a:pPr/>
-              <a:t>‹N°›</a:t>
+              <a:t>‹#›</a:t>
             </a:fld>
             <a:endParaRPr lang="en-US" altLang="en-US"/>
           </a:p>
@@ -7599,7 +7684,7 @@
               </a14:hiddenEffects>
             </a:ext>
             <a:ext uri="{FAA26D3D-D897-4be2-8F04-BA451C77F1D7}">
-              <ma14:placeholderFlag xmlns:ma14="http://schemas.microsoft.com/office/mac/drawingml/2011/main" xmlns="" val="1"/>
+              <ma14:placeholderFlag xmlns:ma14="http://schemas.microsoft.com/office/mac/drawingml/2011/main" val="1"/>
             </a:ext>
           </a:extLst>
         </p:spPr>
@@ -7672,7 +7757,7 @@
               </a14:hiddenEffects>
             </a:ext>
             <a:ext uri="{FAA26D3D-D897-4be2-8F04-BA451C77F1D7}">
-              <ma14:placeholderFlag xmlns:ma14="http://schemas.microsoft.com/office/mac/drawingml/2011/main" xmlns="" val="1"/>
+              <ma14:placeholderFlag xmlns:ma14="http://schemas.microsoft.com/office/mac/drawingml/2011/main" val="1"/>
             </a:ext>
           </a:extLst>
         </p:spPr>
@@ -7773,7 +7858,7 @@
               </a14:hiddenEffects>
             </a:ext>
             <a:ext uri="{FAA26D3D-D897-4be2-8F04-BA451C77F1D7}">
-              <ma14:placeholderFlag xmlns:ma14="http://schemas.microsoft.com/office/mac/drawingml/2011/main" xmlns="" val="1"/>
+              <ma14:placeholderFlag xmlns:ma14="http://schemas.microsoft.com/office/mac/drawingml/2011/main" val="1"/>
             </a:ext>
           </a:extLst>
         </p:spPr>
@@ -7795,7 +7880,7 @@
           <a:p>
             <a:r>
               <a:rPr lang="en-US" altLang="en-US" smtClean="0"/>
-              <a:t>16 March 2016</a:t>
+              <a:t>14 September 2016</a:t>
             </a:r>
             <a:endParaRPr lang="en-US" altLang="en-US"/>
           </a:p>
@@ -7854,7 +7939,7 @@
               </a14:hiddenEffects>
             </a:ext>
             <a:ext uri="{FAA26D3D-D897-4be2-8F04-BA451C77F1D7}">
-              <ma14:placeholderFlag xmlns:ma14="http://schemas.microsoft.com/office/mac/drawingml/2011/main" xmlns="" val="1"/>
+              <ma14:placeholderFlag xmlns:ma14="http://schemas.microsoft.com/office/mac/drawingml/2011/main" val="1"/>
             </a:ext>
           </a:extLst>
         </p:spPr>
@@ -7927,7 +8012,7 @@
               </a14:hiddenEffects>
             </a:ext>
             <a:ext uri="{FAA26D3D-D897-4be2-8F04-BA451C77F1D7}">
-              <ma14:placeholderFlag xmlns:ma14="http://schemas.microsoft.com/office/mac/drawingml/2011/main" xmlns="" val="1"/>
+              <ma14:placeholderFlag xmlns:ma14="http://schemas.microsoft.com/office/mac/drawingml/2011/main" val="1"/>
             </a:ext>
           </a:extLst>
         </p:spPr>
@@ -7950,7 +8035,7 @@
             <a:fld id="{0751BE5A-F440-5A40-9A6F-164B1A9EAF2B}" type="slidenum">
               <a:rPr lang="en-US" altLang="en-US" smtClean="0"/>
               <a:pPr/>
-              <a:t>‹N°›</a:t>
+              <a:t>‹#›</a:t>
             </a:fld>
             <a:endParaRPr lang="en-US" altLang="en-US"/>
           </a:p>
@@ -8548,11 +8633,6 @@
               </a:rPr>
               <a:t>(Update)</a:t>
             </a:r>
-            <a:endParaRPr lang="en-US" sz="2400" dirty="0" smtClean="0">
-              <a:solidFill>
-                <a:srgbClr val="0070C0"/>
-              </a:solidFill>
-            </a:endParaRPr>
           </a:p>
           <a:p>
             <a:pPr algn="l"/>
@@ -8568,11 +8648,7 @@
             </a:br>
             <a:r>
               <a:rPr lang="en-US" sz="2400" dirty="0" smtClean="0"/>
-              <a:t>14 September </a:t>
-            </a:r>
-            <a:r>
-              <a:rPr lang="en-US" sz="2400" dirty="0" smtClean="0"/>
-              <a:t>2016</a:t>
+              <a:t>14 September 2016</a:t>
             </a:r>
           </a:p>
           <a:p>
@@ -8655,6 +8731,53 @@
           <a:lstStyle/>
           <a:p>
             <a:endParaRPr lang="en-US"/>
+          </a:p>
+        </p:txBody>
+      </p:sp>
+      <p:sp>
+        <p:nvSpPr>
+          <p:cNvPr id="3" name="Date Placeholder 2"/>
+          <p:cNvSpPr>
+            <a:spLocks noGrp="1"/>
+          </p:cNvSpPr>
+          <p:nvPr>
+            <p:ph type="dt" sz="half" idx="2"/>
+          </p:nvPr>
+        </p:nvSpPr>
+        <p:spPr/>
+        <p:txBody>
+          <a:bodyPr/>
+          <a:lstStyle/>
+          <a:p>
+            <a:r>
+              <a:rPr lang="en-US" altLang="en-US" smtClean="0"/>
+              <a:t>14 September 2016</a:t>
+            </a:r>
+            <a:endParaRPr lang="en-US" altLang="en-US" dirty="0"/>
+          </a:p>
+        </p:txBody>
+      </p:sp>
+      <p:sp>
+        <p:nvSpPr>
+          <p:cNvPr id="5" name="Slide Number Placeholder 4"/>
+          <p:cNvSpPr>
+            <a:spLocks noGrp="1"/>
+          </p:cNvSpPr>
+          <p:nvPr>
+            <p:ph type="sldNum" sz="quarter" idx="4"/>
+          </p:nvPr>
+        </p:nvSpPr>
+        <p:spPr/>
+        <p:txBody>
+          <a:bodyPr/>
+          <a:lstStyle/>
+          <a:p>
+            <a:fld id="{8C53F4D0-3818-D347-966E-B96BA407C75C}" type="slidenum">
+              <a:rPr lang="en-US" altLang="en-US" smtClean="0"/>
+              <a:pPr/>
+              <a:t>1</a:t>
+            </a:fld>
+            <a:endParaRPr lang="en-US" altLang="en-US"/>
           </a:p>
         </p:txBody>
       </p:sp>
@@ -8737,8 +8860,8 @@
           <a:lstStyle/>
           <a:p>
             <a:r>
-              <a:rPr lang="en-US" altLang="en-US" dirty="0"/>
-              <a:t>14 Septembre 2016</a:t>
+              <a:rPr lang="en-US" altLang="en-US" smtClean="0"/>
+              <a:t>14 September 2016</a:t>
             </a:r>
             <a:endParaRPr lang="en-US" altLang="en-US" dirty="0"/>
           </a:p>
@@ -9229,6 +9352,12 @@
               </a:rPr>
               <a:t>Issue</a:t>
             </a:r>
+            <a:endParaRPr lang="en-US" sz="1200" b="1" i="1" dirty="0" smtClean="0">
+              <a:solidFill>
+                <a:srgbClr val="FF0000"/>
+              </a:solidFill>
+              <a:cs typeface="Courier New" panose="02070309020205020404" pitchFamily="49" charset="0"/>
+            </a:endParaRPr>
           </a:p>
           <a:p>
             <a:pPr algn="ctr"/>
@@ -9321,8 +9450,8 @@
           <a:lstStyle/>
           <a:p>
             <a:r>
-              <a:rPr lang="en-US" altLang="en-US" dirty="0"/>
-              <a:t>14 Septembre 2016</a:t>
+              <a:rPr lang="en-US" altLang="en-US" smtClean="0"/>
+              <a:t>14 September 2016</a:t>
             </a:r>
             <a:endParaRPr lang="en-US" altLang="en-US" dirty="0"/>
           </a:p>
@@ -9418,8 +9547,8 @@
         </p:blipFill>
         <p:spPr>
           <a:xfrm>
-            <a:off x="4628233" y="1927938"/>
-            <a:ext cx="4121944" cy="1878806"/>
+            <a:off x="4651477" y="1927938"/>
+            <a:ext cx="4075455" cy="1878806"/>
           </a:xfrm>
           <a:prstGeom prst="rect">
             <a:avLst/>
@@ -9583,6 +9712,12 @@
               </a:rPr>
               <a:t>Contraints</a:t>
             </a:r>
+            <a:r>
+              <a:rPr lang="en-US" sz="1100" dirty="0" smtClean="0">
+                <a:cs typeface="Courier New" panose="02070309020205020404" pitchFamily="49" charset="0"/>
+              </a:rPr>
+              <a:t>.</a:t>
+            </a:r>
             <a:endParaRPr lang="en-US" sz="1100" dirty="0">
               <a:latin typeface="Courier New" panose="02070309020205020404" pitchFamily="49" charset="0"/>
               <a:cs typeface="Courier New" panose="02070309020205020404" pitchFamily="49" charset="0"/>
@@ -9632,8 +9767,8 @@
         </p:nvSpPr>
         <p:spPr>
           <a:xfrm>
-            <a:off x="4628232" y="1052736"/>
-            <a:ext cx="3256135" cy="717288"/>
+            <a:off x="5940152" y="1055528"/>
+            <a:ext cx="2780195" cy="717288"/>
           </a:xfrm>
           <a:prstGeom prst="rect">
             <a:avLst/>
@@ -9692,6 +9827,12 @@
               </a:rPr>
               <a:t>Behavior</a:t>
             </a:r>
+            <a:r>
+              <a:rPr lang="en-US" sz="1100" dirty="0" smtClean="0">
+                <a:cs typeface="Courier New" panose="02070309020205020404" pitchFamily="49" charset="0"/>
+              </a:rPr>
+              <a:t>.</a:t>
+            </a:r>
             <a:endParaRPr lang="en-US" sz="1100" dirty="0">
               <a:latin typeface="Courier New" panose="02070309020205020404" pitchFamily="49" charset="0"/>
               <a:cs typeface="Courier New" panose="02070309020205020404" pitchFamily="49" charset="0"/>
@@ -9707,8 +9848,8 @@
         </p:nvCxnSpPr>
         <p:spPr>
           <a:xfrm>
-            <a:off x="6049144" y="1772816"/>
-            <a:ext cx="1475184" cy="1584176"/>
+            <a:off x="6444208" y="1757878"/>
+            <a:ext cx="1080120" cy="1599114"/>
           </a:xfrm>
           <a:prstGeom prst="line">
             <a:avLst/>
@@ -9909,7 +10050,13 @@
               <a:rPr lang="en-US" sz="1100" dirty="0" smtClean="0">
                 <a:cs typeface="Courier New" panose="02070309020205020404" pitchFamily="49" charset="0"/>
               </a:rPr>
-              <a:t>Behavior state machine syntax elements</a:t>
+              <a:t>Behavior state machine syntax </a:t>
+            </a:r>
+            <a:r>
+              <a:rPr lang="en-US" sz="1100" dirty="0" smtClean="0">
+                <a:cs typeface="Courier New" panose="02070309020205020404" pitchFamily="49" charset="0"/>
+              </a:rPr>
+              <a:t>elements.</a:t>
             </a:r>
             <a:endParaRPr lang="en-US" sz="1100" dirty="0">
               <a:latin typeface="Courier New" panose="02070309020205020404" pitchFamily="49" charset="0"/>
@@ -9928,6 +10075,136 @@
           <a:xfrm flipH="1">
             <a:off x="6318479" y="4869160"/>
             <a:ext cx="773801" cy="922131"/>
+          </a:xfrm>
+          <a:prstGeom prst="line">
+            <a:avLst/>
+          </a:prstGeom>
+          <a:ln w="28575">
+            <a:headEnd type="oval" w="med" len="med"/>
+            <a:tailEnd type="oval" w="med" len="med"/>
+          </a:ln>
+        </p:spPr>
+        <p:style>
+          <a:lnRef idx="1">
+            <a:schemeClr val="accent1"/>
+          </a:lnRef>
+          <a:fillRef idx="0">
+            <a:schemeClr val="accent1"/>
+          </a:fillRef>
+          <a:effectRef idx="0">
+            <a:schemeClr val="accent1"/>
+          </a:effectRef>
+          <a:fontRef idx="minor">
+            <a:schemeClr val="tx1"/>
+          </a:fontRef>
+        </p:style>
+      </p:cxnSp>
+      <p:sp>
+        <p:nvSpPr>
+          <p:cNvPr id="19" name="Rectangle 18"/>
+          <p:cNvSpPr/>
+          <p:nvPr/>
+        </p:nvSpPr>
+        <p:spPr>
+          <a:xfrm>
+            <a:off x="3635896" y="1055528"/>
+            <a:ext cx="2146181" cy="717288"/>
+          </a:xfrm>
+          <a:prstGeom prst="rect">
+            <a:avLst/>
+          </a:prstGeom>
+          <a:solidFill>
+            <a:schemeClr val="bg1"/>
+          </a:solidFill>
+          <a:ln w="28575">
+            <a:solidFill>
+              <a:srgbClr val="E60019"/>
+            </a:solidFill>
+            <a:prstDash val="solid"/>
+          </a:ln>
+        </p:spPr>
+        <p:style>
+          <a:lnRef idx="1">
+            <a:schemeClr val="accent2"/>
+          </a:lnRef>
+          <a:fillRef idx="2">
+            <a:schemeClr val="accent2"/>
+          </a:fillRef>
+          <a:effectRef idx="1">
+            <a:schemeClr val="accent2"/>
+          </a:effectRef>
+          <a:fontRef idx="minor">
+            <a:schemeClr val="dk1"/>
+          </a:fontRef>
+        </p:style>
+        <p:txBody>
+          <a:bodyPr rtlCol="0" anchor="ctr"/>
+          <a:lstStyle/>
+          <a:p>
+            <a:r>
+              <a:rPr lang="en-US" sz="1100" dirty="0" smtClean="0">
+                <a:cs typeface="Courier New" panose="02070309020205020404" pitchFamily="49" charset="0"/>
+              </a:rPr>
+              <a:t>An “else” </a:t>
+            </a:r>
+            <a:r>
+              <a:rPr lang="en-US" sz="1100" dirty="0" smtClean="0">
+                <a:latin typeface="Courier New" panose="02070309020205020404" pitchFamily="49" charset="0"/>
+                <a:cs typeface="Courier New" panose="02070309020205020404" pitchFamily="49" charset="0"/>
+              </a:rPr>
+              <a:t>guard</a:t>
+            </a:r>
+            <a:r>
+              <a:rPr lang="en-US" sz="1100" dirty="0" smtClean="0">
+                <a:cs typeface="Courier New" panose="02070309020205020404" pitchFamily="49" charset="0"/>
+              </a:rPr>
+              <a:t> is represented as an </a:t>
+            </a:r>
+            <a:r>
+              <a:rPr lang="en-US" sz="1100" dirty="0" smtClean="0">
+                <a:latin typeface="Courier New" charset="0"/>
+                <a:ea typeface="Courier New" charset="0"/>
+                <a:cs typeface="Courier New" charset="0"/>
+              </a:rPr>
+              <a:t>Expression</a:t>
+            </a:r>
+            <a:r>
+              <a:rPr lang="en-US" sz="1100" dirty="0" smtClean="0">
+                <a:cs typeface="Courier New" panose="02070309020205020404" pitchFamily="49" charset="0"/>
+              </a:rPr>
+              <a:t> with the </a:t>
+            </a:r>
+            <a:r>
+              <a:rPr lang="en-US" sz="1100" dirty="0" smtClean="0">
+                <a:latin typeface="Courier New" charset="0"/>
+                <a:ea typeface="Courier New" charset="0"/>
+                <a:cs typeface="Courier New" charset="0"/>
+              </a:rPr>
+              <a:t>symbol</a:t>
+            </a:r>
+            <a:r>
+              <a:rPr lang="en-US" sz="1100" dirty="0" smtClean="0">
+                <a:cs typeface="Courier New" panose="02070309020205020404" pitchFamily="49" charset="0"/>
+              </a:rPr>
+              <a:t> “else”.</a:t>
+            </a:r>
+            <a:endParaRPr lang="en-US" sz="1100" dirty="0">
+              <a:latin typeface="Courier New" panose="02070309020205020404" pitchFamily="49" charset="0"/>
+              <a:cs typeface="Courier New" panose="02070309020205020404" pitchFamily="49" charset="0"/>
+            </a:endParaRPr>
+          </a:p>
+        </p:txBody>
+      </p:sp>
+      <p:cxnSp>
+        <p:nvCxnSpPr>
+          <p:cNvPr id="20" name="Connecteur droit 17"/>
+          <p:cNvCxnSpPr/>
+          <p:nvPr/>
+        </p:nvCxnSpPr>
+        <p:spPr>
+          <a:xfrm>
+            <a:off x="4355976" y="1772816"/>
+            <a:ext cx="1080120" cy="1599114"/>
           </a:xfrm>
           <a:prstGeom prst="line">
             <a:avLst/>
@@ -10028,8 +10305,8 @@
           <a:lstStyle/>
           <a:p>
             <a:r>
-              <a:rPr lang="en-US" altLang="en-US" dirty="0"/>
-              <a:t>14 Septembre 2016</a:t>
+              <a:rPr lang="en-US" altLang="en-US" smtClean="0"/>
+              <a:t>14 September 2016</a:t>
             </a:r>
             <a:endParaRPr lang="en-US" altLang="en-US" dirty="0"/>
           </a:p>
@@ -10489,8 +10766,8 @@
           <a:lstStyle/>
           <a:p>
             <a:r>
-              <a:rPr lang="en-US" altLang="en-US" dirty="0"/>
-              <a:t>14 Septembre 2016</a:t>
+              <a:rPr lang="en-US" altLang="en-US" smtClean="0"/>
+              <a:t>14 September 2016</a:t>
             </a:r>
             <a:endParaRPr lang="en-US" altLang="en-US" dirty="0"/>
           </a:p>
@@ -10541,12 +10818,12 @@
               </a:ext>
             </a:extLst>
           </a:blip>
-          <a:srcRect l="-32790" t="-1678" r="1"/>
+          <a:srcRect l="-18775" r="-18775"/>
           <a:stretch/>
         </p:blipFill>
         <p:spPr>
           <a:xfrm>
-            <a:off x="251520" y="3588198"/>
+            <a:off x="251519" y="3588198"/>
             <a:ext cx="5236369" cy="2164556"/>
           </a:xfrm>
           <a:prstGeom prst="rect">
@@ -10838,8 +11115,8 @@
         </p:nvSpPr>
         <p:spPr>
           <a:xfrm>
-            <a:off x="251520" y="5833382"/>
-            <a:ext cx="4716375" cy="648072"/>
+            <a:off x="251521" y="5833382"/>
+            <a:ext cx="3744416" cy="648072"/>
           </a:xfrm>
           <a:prstGeom prst="rect">
             <a:avLst/>
@@ -10880,17 +11157,56 @@
                 </a:solidFill>
                 <a:cs typeface="Courier New" panose="02070309020205020404" pitchFamily="49" charset="0"/>
               </a:rPr>
-              <a:t>Issue</a:t>
-            </a:r>
+              <a:t>Issue UMLR-92</a:t>
+            </a:r>
+            <a:endParaRPr lang="en-US" sz="1200" b="1" i="1" dirty="0" smtClean="0">
+              <a:solidFill>
+                <a:srgbClr val="FF0000"/>
+              </a:solidFill>
+              <a:cs typeface="Courier New" panose="02070309020205020404" pitchFamily="49" charset="0"/>
+            </a:endParaRPr>
           </a:p>
           <a:p>
             <a:pPr algn="ctr"/>
+            <a:r>
+              <a:rPr lang="en-US" sz="1200" dirty="0">
+                <a:cs typeface="Courier New" panose="02070309020205020404" pitchFamily="49" charset="0"/>
+              </a:rPr>
+              <a:t>UML/OCL spec </a:t>
+            </a:r>
             <a:r>
               <a:rPr lang="en-US" sz="1200" dirty="0" smtClean="0">
                 <a:cs typeface="Courier New" panose="02070309020205020404" pitchFamily="49" charset="0"/>
               </a:rPr>
-              <a:t>Constraints are owned by the PSSM Values constraints package, not by the constrained elements. What is the OCL context?</a:t>
-            </a:r>
+              <a:t>mismatch - </a:t>
+            </a:r>
+            <a:r>
+              <a:rPr lang="en-US" sz="1200" dirty="0" err="1" smtClean="0">
+                <a:cs typeface="Courier New" panose="02070309020205020404" pitchFamily="49" charset="0"/>
+              </a:rPr>
+              <a:t>Constraint.context</a:t>
+            </a:r>
+            <a:r>
+              <a:rPr lang="en-US" sz="1200" dirty="0" smtClean="0">
+                <a:cs typeface="Courier New" panose="02070309020205020404" pitchFamily="49" charset="0"/>
+              </a:rPr>
+              <a:t> </a:t>
+            </a:r>
+            <a:r>
+              <a:rPr lang="en-US" sz="1200" dirty="0">
+                <a:cs typeface="Courier New" panose="02070309020205020404" pitchFamily="49" charset="0"/>
+              </a:rPr>
+              <a:t>vs </a:t>
+            </a:r>
+            <a:r>
+              <a:rPr lang="en-US" sz="1200" dirty="0" err="1">
+                <a:cs typeface="Courier New" panose="02070309020205020404" pitchFamily="49" charset="0"/>
+              </a:rPr>
+              <a:t>Constraint.constrainedElement</a:t>
+            </a:r>
+            <a:endParaRPr lang="en-US" sz="1200" dirty="0">
+              <a:cs typeface="Courier New" panose="02070309020205020404" pitchFamily="49" charset="0"/>
+            </a:endParaRPr>
           </a:p>
         </p:txBody>
       </p:sp>
@@ -11026,10 +11342,85 @@
           <a:lstStyle/>
           <a:p>
             <a:r>
-              <a:rPr lang="en-US" altLang="en-US" dirty="0"/>
-              <a:t>14 Septembre 2016</a:t>
+              <a:rPr lang="en-US" altLang="en-US" smtClean="0"/>
+              <a:t>14 September 2016</a:t>
             </a:r>
             <a:endParaRPr lang="en-US" altLang="en-US" dirty="0"/>
+          </a:p>
+        </p:txBody>
+      </p:sp>
+      <p:sp>
+        <p:nvSpPr>
+          <p:cNvPr id="6" name="Rectangle 5"/>
+          <p:cNvSpPr/>
+          <p:nvPr/>
+        </p:nvSpPr>
+        <p:spPr>
+          <a:xfrm>
+            <a:off x="6228184" y="4653136"/>
+            <a:ext cx="2458616" cy="1103784"/>
+          </a:xfrm>
+          <a:prstGeom prst="rect">
+            <a:avLst/>
+          </a:prstGeom>
+          <a:solidFill>
+            <a:srgbClr val="FFB9AE"/>
+          </a:solidFill>
+          <a:ln w="6350">
+            <a:solidFill>
+              <a:srgbClr val="FF0000"/>
+            </a:solidFill>
+            <a:prstDash val="solid"/>
+          </a:ln>
+        </p:spPr>
+        <p:style>
+          <a:lnRef idx="1">
+            <a:schemeClr val="accent2"/>
+          </a:lnRef>
+          <a:fillRef idx="2">
+            <a:schemeClr val="accent2"/>
+          </a:fillRef>
+          <a:effectRef idx="1">
+            <a:schemeClr val="accent2"/>
+          </a:effectRef>
+          <a:fontRef idx="minor">
+            <a:schemeClr val="dk1"/>
+          </a:fontRef>
+        </p:style>
+        <p:txBody>
+          <a:bodyPr rtlCol="0" anchor="ctr"/>
+          <a:lstStyle/>
+          <a:p>
+            <a:pPr algn="ctr"/>
+            <a:r>
+              <a:rPr lang="en-US" sz="1400" b="1" i="1" dirty="0" smtClean="0">
+                <a:solidFill>
+                  <a:srgbClr val="FF0000"/>
+                </a:solidFill>
+                <a:cs typeface="Courier New" panose="02070309020205020404" pitchFamily="49" charset="0"/>
+              </a:rPr>
+              <a:t>Issue UMLR-686</a:t>
+            </a:r>
+            <a:endParaRPr lang="en-US" sz="1400" b="1" i="1" dirty="0" smtClean="0">
+              <a:solidFill>
+                <a:srgbClr val="FF0000"/>
+              </a:solidFill>
+              <a:cs typeface="Courier New" panose="02070309020205020404" pitchFamily="49" charset="0"/>
+            </a:endParaRPr>
+          </a:p>
+          <a:p>
+            <a:r>
+              <a:rPr lang="en-US" sz="1400" dirty="0"/>
+              <a:t>The behavior of an </a:t>
+            </a:r>
+            <a:r>
+              <a:rPr lang="en-US" sz="1400" dirty="0" err="1"/>
+              <a:t>OpaqueExpression</a:t>
+            </a:r>
+            <a:r>
+              <a:rPr lang="en-US" sz="1400" dirty="0"/>
+              <a:t> should be allowed to have input parameters</a:t>
+            </a:r>
           </a:p>
         </p:txBody>
       </p:sp>
@@ -11111,8 +11502,8 @@
           <a:lstStyle/>
           <a:p>
             <a:r>
-              <a:rPr lang="en-US" altLang="en-US" dirty="0"/>
-              <a:t>14 Septembre 2016</a:t>
+              <a:rPr lang="en-US" altLang="en-US" smtClean="0"/>
+              <a:t>14 September 2016</a:t>
             </a:r>
             <a:endParaRPr lang="en-US" altLang="en-US" dirty="0"/>
           </a:p>
@@ -11180,8 +11571,8 @@
         </p:nvSpPr>
         <p:spPr>
           <a:xfrm>
-            <a:off x="5940152" y="1104114"/>
-            <a:ext cx="2736304" cy="2396894"/>
+            <a:off x="5940152" y="1176122"/>
+            <a:ext cx="2736304" cy="1172758"/>
           </a:xfrm>
           <a:prstGeom prst="rect">
             <a:avLst/>
@@ -11216,52 +11607,15 @@
           <a:p>
             <a:pPr algn="ctr"/>
             <a:r>
-              <a:rPr lang="en-US" sz="1400" b="1" i="1" dirty="0" smtClean="0">
+              <a:rPr lang="en-US" sz="1400" b="1" i="1" smtClean="0">
                 <a:solidFill>
                   <a:srgbClr val="FF0000"/>
                 </a:solidFill>
                 <a:cs typeface="Courier New" panose="02070309020205020404" pitchFamily="49" charset="0"/>
               </a:rPr>
-              <a:t>Issue</a:t>
-            </a:r>
-          </a:p>
-          <a:p>
-            <a:pPr algn="ctr"/>
-            <a:r>
-              <a:rPr lang="en-US" sz="1400" dirty="0" smtClean="0">
-                <a:cs typeface="Courier New" panose="02070309020205020404" pitchFamily="49" charset="0"/>
-              </a:rPr>
-              <a:t>When a Transition is redefined, its source and target must also be redefined. These may be Pseudostates, but Pseudostates are not currently </a:t>
-            </a:r>
-            <a:r>
-              <a:rPr lang="en-US" sz="1400" dirty="0" err="1" smtClean="0">
-                <a:cs typeface="Courier New" panose="02070309020205020404" pitchFamily="49" charset="0"/>
-              </a:rPr>
-              <a:t>redefinable</a:t>
-            </a:r>
-            <a:r>
-              <a:rPr lang="en-US" sz="1400" dirty="0" smtClean="0">
-                <a:cs typeface="Courier New" panose="02070309020205020404" pitchFamily="49" charset="0"/>
-              </a:rPr>
-              <a:t>. </a:t>
-            </a:r>
-          </a:p>
-          <a:p>
-            <a:pPr algn="ctr">
-              <a:spcBef>
-                <a:spcPts val="600"/>
-              </a:spcBef>
-            </a:pPr>
-            <a:r>
-              <a:rPr lang="en-US" sz="1400" b="1" i="1" dirty="0" smtClean="0">
-                <a:solidFill>
-                  <a:srgbClr val="FF0000"/>
-                </a:solidFill>
-                <a:cs typeface="Courier New" panose="02070309020205020404" pitchFamily="49" charset="0"/>
-              </a:rPr>
-              <a:t>Possible Solution</a:t>
-            </a:r>
-            <a:endParaRPr lang="en-US" sz="1400" b="1" i="1" dirty="0">
+              <a:t>Issue UMLR-685</a:t>
+            </a:r>
+            <a:endParaRPr lang="en-US" sz="1400" b="1" i="1" dirty="0" smtClean="0">
               <a:solidFill>
                 <a:srgbClr val="FF0000"/>
               </a:solidFill>
@@ -11269,34 +11623,26 @@
             </a:endParaRPr>
           </a:p>
           <a:p>
-            <a:pPr algn="ctr"/>
-            <a:r>
-              <a:rPr lang="en-US" sz="1400" dirty="0" smtClean="0">
-                <a:cs typeface="Courier New" panose="02070309020205020404" pitchFamily="49" charset="0"/>
-              </a:rPr>
-              <a:t> Make Vertex superclass of State and Pseudostate </a:t>
-            </a:r>
-            <a:r>
-              <a:rPr lang="en-US" sz="1400" dirty="0">
-                <a:cs typeface="Courier New" panose="02070309020205020404" pitchFamily="49" charset="0"/>
-              </a:rPr>
-              <a:t>a </a:t>
-            </a:r>
-            <a:r>
-              <a:rPr lang="en-US" sz="1400" dirty="0" err="1" smtClean="0">
-                <a:cs typeface="Courier New" panose="02070309020205020404" pitchFamily="49" charset="0"/>
-              </a:rPr>
+            <a:r>
+              <a:rPr lang="en-US" sz="1400" dirty="0"/>
+              <a:t>UML 2.5: </a:t>
+            </a:r>
+            <a:r>
+              <a:rPr lang="en-US" sz="1400" dirty="0" err="1"/>
+              <a:t>StateMachine</a:t>
+            </a:r>
+            <a:r>
+              <a:rPr lang="en-US" sz="1400" dirty="0"/>
+              <a:t> Vertex needs to be made a kind of </a:t>
+            </a:r>
+            <a:r>
+              <a:rPr lang="en-US" sz="1400" dirty="0" err="1"/>
               <a:t>RedefinableElement</a:t>
             </a:r>
             <a:r>
-              <a:rPr lang="en-US" sz="1400" dirty="0" smtClean="0">
-                <a:cs typeface="Courier New" panose="02070309020205020404" pitchFamily="49" charset="0"/>
-              </a:rPr>
-              <a:t>).</a:t>
-            </a:r>
-            <a:endParaRPr lang="en-US" sz="1400" dirty="0">
-              <a:cs typeface="Courier New" panose="02070309020205020404" pitchFamily="49" charset="0"/>
-            </a:endParaRPr>
+              <a:rPr lang="en-US" sz="1400" dirty="0"/>
+              <a:t> instead of State</a:t>
+            </a:r>
           </a:p>
         </p:txBody>
       </p:sp>
@@ -11430,8 +11776,8 @@
           <a:lstStyle/>
           <a:p>
             <a:r>
-              <a:rPr lang="en-US" altLang="en-US" dirty="0"/>
-              <a:t>14 Septembre 2016</a:t>
+              <a:rPr lang="en-US" altLang="en-US" smtClean="0"/>
+              <a:t>14 September 2016</a:t>
             </a:r>
             <a:endParaRPr lang="en-US" altLang="en-US" dirty="0"/>
           </a:p>
@@ -11953,8 +12299,8 @@
           <a:lstStyle/>
           <a:p>
             <a:r>
-              <a:rPr lang="en-US" altLang="en-US" dirty="0" smtClean="0"/>
-              <a:t>17 Septembre 2016</a:t>
+              <a:rPr lang="en-US" altLang="en-US" smtClean="0"/>
+              <a:t>14 September 2016</a:t>
             </a:r>
             <a:endParaRPr lang="en-US" altLang="en-US" dirty="0"/>
           </a:p>
@@ -12053,8 +12399,8 @@
           <a:lstStyle/>
           <a:p>
             <a:r>
-              <a:rPr lang="en-US" altLang="en-US" dirty="0"/>
-              <a:t>14 Septembre 2016</a:t>
+              <a:rPr lang="en-US" altLang="en-US" smtClean="0"/>
+              <a:t>14 September 2016</a:t>
             </a:r>
             <a:endParaRPr lang="en-US" altLang="en-US" dirty="0"/>
           </a:p>
@@ -12284,15 +12630,7 @@
                 <a:ea typeface="Courier New" charset="0"/>
                 <a:cs typeface="Courier New" charset="0"/>
               </a:rPr>
-              <a:t>PSSM extends the support for synchronous calls provided by fUML. </a:t>
-            </a:r>
-            <a:r>
-              <a:rPr lang="en-US" sz="1000" dirty="0" smtClean="0">
-                <a:latin typeface="+mj-lt"/>
-                <a:ea typeface="Courier New" charset="0"/>
-                <a:cs typeface="Courier New" charset="0"/>
-              </a:rPr>
-              <a:t>In particular it adds a support for CallEvent which are generated in case a synchronous call is made on a operation without implementation. </a:t>
+              <a:t>PSSM extends the support for synchronous calls provided by fUML. In particular it adds a support for CallEvent which are generated in case a synchronous call is made on a operation without implementation. </a:t>
             </a:r>
             <a:r>
               <a:rPr lang="en-US" sz="1000" dirty="0" smtClean="0">
@@ -12614,8 +12952,8 @@
           <a:lstStyle/>
           <a:p>
             <a:r>
-              <a:rPr lang="en-US" altLang="en-US" dirty="0"/>
-              <a:t>14 Septembre 2016</a:t>
+              <a:rPr lang="en-US" altLang="en-US" smtClean="0"/>
+              <a:t>14 September 2016</a:t>
             </a:r>
             <a:endParaRPr lang="en-US" altLang="en-US" dirty="0"/>
           </a:p>
@@ -12749,15 +13087,7 @@
             <a:pPr lvl="1"/>
             <a:r>
               <a:rPr lang="en-US" dirty="0" smtClean="0"/>
-              <a:t>Access to members is allowed (e.g</a:t>
-            </a:r>
-            <a:r>
-              <a:rPr lang="en-US" dirty="0" smtClean="0"/>
-              <a:t>. operations</a:t>
-            </a:r>
-            <a:r>
-              <a:rPr lang="en-US" dirty="0" smtClean="0"/>
-              <a:t>)</a:t>
+              <a:t>Access to members is allowed (e.g. operations)</a:t>
             </a:r>
           </a:p>
           <a:p>
@@ -12830,14 +13160,7 @@
                 <a:latin typeface="+mj-lt"/>
                 <a:cs typeface="Courier New" charset="0"/>
               </a:rPr>
-              <a:t>SM_Opaque</a:t>
-            </a:r>
-            <a:r>
-              <a:rPr lang="en-US" sz="1000" dirty="0" smtClean="0">
-                <a:latin typeface="+mj-lt"/>
-                <a:cs typeface="Courier New" charset="0"/>
-              </a:rPr>
-              <a:t>ExpressionEvaluation provides a way to evaluate an OpaqueExpression that has a specification formalized as a Behavior.  </a:t>
+              <a:t>SM_OpaqueExpressionEvaluation provides a way to evaluate an OpaqueExpression that has a specification formalized as a Behavior.  </a:t>
             </a:r>
             <a:endParaRPr lang="en-US" sz="1000" dirty="0">
               <a:latin typeface="+mj-lt"/>
@@ -13071,12 +13394,8 @@
           <a:lstStyle/>
           <a:p>
             <a:r>
-              <a:rPr lang="en-US" altLang="en-US" dirty="0" smtClean="0"/>
-              <a:t>14 </a:t>
-            </a:r>
-            <a:r>
-              <a:rPr lang="en-US" altLang="en-US" dirty="0"/>
-              <a:t>Septembre 2016</a:t>
+              <a:rPr lang="en-US" altLang="en-US" smtClean="0"/>
+              <a:t>14 September 2016</a:t>
             </a:r>
             <a:endParaRPr lang="en-US" altLang="en-US" dirty="0"/>
           </a:p>
@@ -13182,8 +13501,8 @@
           <a:lstStyle/>
           <a:p>
             <a:r>
-              <a:rPr lang="en-US" altLang="en-US" dirty="0"/>
-              <a:t>14 Septembre 2016</a:t>
+              <a:rPr lang="en-US" altLang="en-US" smtClean="0"/>
+              <a:t>14 September 2016</a:t>
             </a:r>
             <a:endParaRPr lang="en-US" altLang="en-US" dirty="0"/>
           </a:p>
@@ -13393,21 +13712,7 @@
                 <a:latin typeface="+mj-lt"/>
                 <a:cs typeface="Courier New" charset="0"/>
               </a:rPr>
-              <a:t>SM_Object always have an SM_ObjectActivation. Such particular object activation enables handling of both completion events (state machine specific) and deferred events (not state machine specific but not available </a:t>
-            </a:r>
-            <a:r>
-              <a:rPr lang="en-US" sz="1000" dirty="0" smtClean="0">
-                <a:latin typeface="+mj-lt"/>
-                <a:cs typeface="Courier New" charset="0"/>
-              </a:rPr>
-              <a:t>directly in fUML</a:t>
-            </a:r>
-            <a:r>
-              <a:rPr lang="en-US" sz="1000" dirty="0" smtClean="0">
-                <a:latin typeface="+mj-lt"/>
-                <a:cs typeface="Courier New" charset="0"/>
-              </a:rPr>
-              <a:t>).  </a:t>
+              <a:t>SM_Object always have an SM_ObjectActivation. Such particular object activation enables handling of both completion events (state machine specific) and deferred events (not state machine specific but not available directly in fUML).  </a:t>
             </a:r>
             <a:endParaRPr lang="en-US" sz="1000" dirty="0">
               <a:latin typeface="+mj-lt"/>
@@ -13820,8 +14125,8 @@
           <a:lstStyle/>
           <a:p>
             <a:r>
-              <a:rPr lang="en-US" altLang="en-US" dirty="0"/>
-              <a:t>14 Septembre 2016</a:t>
+              <a:rPr lang="en-US" altLang="en-US" smtClean="0"/>
+              <a:t>14 September 2016</a:t>
             </a:r>
             <a:endParaRPr lang="en-US" altLang="en-US" dirty="0"/>
           </a:p>
@@ -14434,8 +14739,8 @@
           <a:lstStyle/>
           <a:p>
             <a:r>
-              <a:rPr lang="en-US" altLang="en-US" dirty="0"/>
-              <a:t>14 Septembre 2016</a:t>
+              <a:rPr lang="en-US" altLang="en-US" smtClean="0"/>
+              <a:t>14 September 2016</a:t>
             </a:r>
             <a:endParaRPr lang="en-US" altLang="en-US" dirty="0"/>
           </a:p>
@@ -14800,8 +15105,8 @@
           <a:lstStyle/>
           <a:p>
             <a:r>
-              <a:rPr lang="en-US" altLang="en-US" dirty="0"/>
-              <a:t>14 Septembre 2016</a:t>
+              <a:rPr lang="en-US" altLang="en-US" smtClean="0"/>
+              <a:t>14 September 2016</a:t>
             </a:r>
             <a:endParaRPr lang="en-US" altLang="en-US" dirty="0"/>
           </a:p>
@@ -14923,8 +15228,8 @@
           <a:lstStyle/>
           <a:p>
             <a:r>
-              <a:rPr lang="en-US" altLang="en-US" dirty="0" smtClean="0"/>
-              <a:t>14 Septembre 2016</a:t>
+              <a:rPr lang="en-US" altLang="en-US" smtClean="0"/>
+              <a:t>14 September 2016</a:t>
             </a:r>
             <a:endParaRPr lang="en-US" altLang="en-US" dirty="0"/>
           </a:p>
@@ -15025,8 +15330,8 @@
           <a:lstStyle/>
           <a:p>
             <a:r>
-              <a:rPr lang="en-US" altLang="en-US" dirty="0"/>
-              <a:t>14 Septembre 2016</a:t>
+              <a:rPr lang="en-US" altLang="en-US" smtClean="0"/>
+              <a:t>14 September 2016</a:t>
             </a:r>
             <a:endParaRPr lang="en-US" altLang="en-US" dirty="0"/>
           </a:p>
@@ -15539,8 +15844,8 @@
           <a:lstStyle/>
           <a:p>
             <a:r>
-              <a:rPr lang="en-US" altLang="en-US" dirty="0"/>
-              <a:t>14 Septembre 2016</a:t>
+              <a:rPr lang="en-US" altLang="en-US" smtClean="0"/>
+              <a:t>14 September 2016</a:t>
             </a:r>
             <a:endParaRPr lang="en-US" altLang="en-US" dirty="0"/>
           </a:p>
@@ -15861,15 +16166,7 @@
           <a:p>
             <a:r>
               <a:rPr lang="en-US" dirty="0" smtClean="0"/>
-              <a:t>PSSM: </a:t>
-            </a:r>
-            <a:r>
-              <a:rPr lang="en-US" dirty="0" smtClean="0"/>
-              <a:t>State Machine </a:t>
-            </a:r>
-            <a:r>
-              <a:rPr lang="en-US" dirty="0" smtClean="0"/>
-              <a:t>Visitors (1)</a:t>
+              <a:t>PSSM: State Machine Visitors (1)</a:t>
             </a:r>
             <a:endParaRPr lang="en-US" dirty="0"/>
           </a:p>
@@ -16192,8 +16489,8 @@
           <a:lstStyle/>
           <a:p>
             <a:r>
-              <a:rPr lang="en-US" altLang="en-US" dirty="0"/>
-              <a:t>14 Septembre 2016</a:t>
+              <a:rPr lang="en-US" altLang="en-US" smtClean="0"/>
+              <a:t>14 September 2016</a:t>
             </a:r>
             <a:endParaRPr lang="en-US" altLang="en-US" dirty="0"/>
           </a:p>
@@ -16281,19 +16578,7 @@
           <a:p>
             <a:r>
               <a:rPr lang="en-US" dirty="0" smtClean="0"/>
-              <a:t>PSSM</a:t>
-            </a:r>
-            <a:r>
-              <a:rPr lang="en-US" dirty="0" smtClean="0"/>
-              <a:t>: </a:t>
-            </a:r>
-            <a:r>
-              <a:rPr lang="en-US" dirty="0" smtClean="0"/>
-              <a:t>State Machine </a:t>
-            </a:r>
-            <a:r>
-              <a:rPr lang="en-US" dirty="0" smtClean="0"/>
-              <a:t>Visitors (2)</a:t>
+              <a:t>PSSM: State Machine Visitors (2)</a:t>
             </a:r>
             <a:endParaRPr lang="en-US" dirty="0"/>
           </a:p>
@@ -16372,8 +16657,8 @@
           <a:lstStyle/>
           <a:p>
             <a:r>
-              <a:rPr lang="en-US" altLang="en-US" dirty="0"/>
-              <a:t>14 Septembre 2016</a:t>
+              <a:rPr lang="en-US" altLang="en-US" smtClean="0"/>
+              <a:t>14 September 2016</a:t>
             </a:r>
             <a:endParaRPr lang="en-US" altLang="en-US" dirty="0"/>
           </a:p>
@@ -16705,19 +16990,7 @@
           <a:p>
             <a:r>
               <a:rPr lang="en-US" dirty="0" smtClean="0"/>
-              <a:t>PSSM</a:t>
-            </a:r>
-            <a:r>
-              <a:rPr lang="en-US" dirty="0" smtClean="0"/>
-              <a:t>: </a:t>
-            </a:r>
-            <a:r>
-              <a:rPr lang="en-US" dirty="0" smtClean="0"/>
-              <a:t>State Machine </a:t>
-            </a:r>
-            <a:r>
-              <a:rPr lang="en-US" dirty="0" smtClean="0"/>
-              <a:t>Visitors (3)</a:t>
+              <a:t>PSSM: State Machine Visitors (3)</a:t>
             </a:r>
             <a:endParaRPr lang="en-US" dirty="0"/>
           </a:p>
@@ -16772,8 +17045,8 @@
           <a:lstStyle/>
           <a:p>
             <a:r>
-              <a:rPr lang="en-US" altLang="en-US" dirty="0"/>
-              <a:t>14 Septembre 2016</a:t>
+              <a:rPr lang="en-US" altLang="en-US" smtClean="0"/>
+              <a:t>14 September 2016</a:t>
             </a:r>
             <a:endParaRPr lang="en-US" altLang="en-US" dirty="0"/>
           </a:p>
@@ -16944,7 +17217,7 @@
               </a14:hiddenEffects>
             </a:ext>
             <a:ext uri="{FAA26D3D-D897-4be2-8F04-BA451C77F1D7}">
-              <ma14:placeholderFlag xmlns:ma14="http://schemas.microsoft.com/office/mac/drawingml/2011/main" xmlns="" val="1"/>
+              <ma14:placeholderFlag xmlns:ma14="http://schemas.microsoft.com/office/mac/drawingml/2011/main" val="1"/>
             </a:ext>
           </a:extLst>
         </p:spPr>
@@ -17337,14 +17610,14 @@
             <p:ph idx="1"/>
             <p:extLst>
               <p:ext uri="{D42A27DB-BD31-4B8C-83A1-F6EECF244321}">
-                <p14:modId xmlns:p14="http://schemas.microsoft.com/office/powerpoint/2010/main" val="4282719703"/>
+                <p14:modId xmlns:p14="http://schemas.microsoft.com/office/powerpoint/2010/main" val="904562555"/>
               </p:ext>
             </p:extLst>
           </p:nvPr>
         </p:nvGraphicFramePr>
         <p:xfrm>
           <a:off x="457200" y="1066800"/>
-          <a:ext cx="8229600" cy="5034280"/>
+          <a:ext cx="8229600" cy="5308600"/>
         </p:xfrm>
         <a:graphic>
           <a:graphicData uri="http://schemas.openxmlformats.org/drawingml/2006/table">
@@ -17503,15 +17776,7 @@
                             <a:schemeClr val="tx1"/>
                           </a:solidFill>
                         </a:rPr>
-                        <a:t>All required </a:t>
-                      </a:r>
-                      <a:r>
-                        <a:rPr lang="en-US" dirty="0" smtClean="0">
-                          <a:solidFill>
-                            <a:schemeClr val="tx1"/>
-                          </a:solidFill>
-                        </a:rPr>
-                        <a:t>elements</a:t>
+                        <a:t>All required elements</a:t>
                       </a:r>
                       <a:endParaRPr lang="en-US" dirty="0">
                         <a:solidFill>
@@ -17664,14 +17929,16 @@
                     <a:bodyPr/>
                     <a:lstStyle/>
                     <a:p>
-                      <a:pPr lvl="1"/>
+                      <a:pPr marL="457200" lvl="1" indent="0">
+                        <a:tabLst/>
+                      </a:pPr>
                       <a:r>
                         <a:rPr lang="en-US" dirty="0" smtClean="0">
                           <a:solidFill>
                             <a:schemeClr val="tx1"/>
                           </a:solidFill>
                         </a:rPr>
-                        <a:t>Proposal</a:t>
+                        <a:t>Achieved</a:t>
                       </a:r>
                       <a:r>
                         <a:rPr lang="en-US" baseline="0" dirty="0" smtClean="0">
@@ -17679,7 +17946,7 @@
                             <a:schemeClr val="tx1"/>
                           </a:solidFill>
                         </a:rPr>
-                        <a:t> was made and incorporated to the semantic model</a:t>
+                        <a:t> using a parameter-passing approach for guard expressions and event behaviors.</a:t>
                       </a:r>
                       <a:endParaRPr lang="en-US" dirty="0">
                         <a:solidFill>
@@ -18284,8 +18551,8 @@
           <a:lstStyle/>
           <a:p>
             <a:r>
-              <a:rPr lang="en-US" altLang="en-US" dirty="0"/>
-              <a:t>14 Septembre 2016</a:t>
+              <a:rPr lang="en-US" altLang="en-US" smtClean="0"/>
+              <a:t>14 September 2016</a:t>
             </a:r>
             <a:endParaRPr lang="en-US" altLang="en-US" dirty="0"/>
           </a:p>
@@ -18608,7 +18875,7 @@
         </p:blipFill>
         <p:spPr bwMode="auto">
           <a:xfrm>
-            <a:off x="4553524" y="2699594"/>
+            <a:off x="4553524" y="2420888"/>
             <a:ext cx="332507" cy="332507"/>
           </a:xfrm>
           <a:prstGeom prst="rect">
@@ -18693,19 +18960,7 @@
           <a:p>
             <a:r>
               <a:rPr lang="en-US" dirty="0" smtClean="0"/>
-              <a:t>PSSM</a:t>
-            </a:r>
-            <a:r>
-              <a:rPr lang="en-US" dirty="0" smtClean="0"/>
-              <a:t>: </a:t>
-            </a:r>
-            <a:r>
-              <a:rPr lang="en-US" dirty="0" smtClean="0"/>
-              <a:t>State Machine </a:t>
-            </a:r>
-            <a:r>
-              <a:rPr lang="en-US" dirty="0" smtClean="0"/>
-              <a:t>Visitors (3)</a:t>
+              <a:t>PSSM: State Machine Visitors (3)</a:t>
             </a:r>
             <a:endParaRPr lang="en-US" dirty="0"/>
           </a:p>
@@ -18760,8 +19015,8 @@
           <a:lstStyle/>
           <a:p>
             <a:r>
-              <a:rPr lang="en-US" altLang="en-US" dirty="0"/>
-              <a:t>14 Septembre 2016</a:t>
+              <a:rPr lang="en-US" altLang="en-US" smtClean="0"/>
+              <a:t>14 September 2016</a:t>
             </a:r>
             <a:endParaRPr lang="en-US" altLang="en-US" dirty="0"/>
           </a:p>
@@ -18818,7 +19073,7 @@
               </a14:hiddenEffects>
             </a:ext>
             <a:ext uri="{FAA26D3D-D897-4be2-8F04-BA451C77F1D7}">
-              <ma14:placeholderFlag xmlns:ma14="http://schemas.microsoft.com/office/mac/drawingml/2011/main" xmlns="" val="1"/>
+              <ma14:placeholderFlag xmlns:ma14="http://schemas.microsoft.com/office/mac/drawingml/2011/main" val="1"/>
             </a:ext>
           </a:extLst>
         </p:spPr>
@@ -19195,19 +19450,7 @@
           <a:p>
             <a:r>
               <a:rPr lang="en-US" dirty="0" smtClean="0"/>
-              <a:t>PSSM</a:t>
-            </a:r>
-            <a:r>
-              <a:rPr lang="en-US" dirty="0" smtClean="0"/>
-              <a:t>: </a:t>
-            </a:r>
-            <a:r>
-              <a:rPr lang="en-US" dirty="0" smtClean="0"/>
-              <a:t>State Machine </a:t>
-            </a:r>
-            <a:r>
-              <a:rPr lang="en-US" dirty="0" smtClean="0"/>
-              <a:t>Visitors (3)</a:t>
+              <a:t>PSSM: State Machine Visitors (3)</a:t>
             </a:r>
             <a:endParaRPr lang="en-US" dirty="0"/>
           </a:p>
@@ -19262,8 +19505,8 @@
           <a:lstStyle/>
           <a:p>
             <a:r>
-              <a:rPr lang="en-US" altLang="en-US" dirty="0"/>
-              <a:t>14 Septembre 2016</a:t>
+              <a:rPr lang="en-US" altLang="en-US" smtClean="0"/>
+              <a:t>14 September 2016</a:t>
             </a:r>
             <a:endParaRPr lang="en-US" altLang="en-US" dirty="0"/>
           </a:p>
@@ -19320,7 +19563,7 @@
               </a14:hiddenEffects>
             </a:ext>
             <a:ext uri="{FAA26D3D-D897-4be2-8F04-BA451C77F1D7}">
-              <ma14:placeholderFlag xmlns:ma14="http://schemas.microsoft.com/office/mac/drawingml/2011/main" xmlns="" val="1"/>
+              <ma14:placeholderFlag xmlns:ma14="http://schemas.microsoft.com/office/mac/drawingml/2011/main" val="1"/>
             </a:ext>
           </a:extLst>
         </p:spPr>
@@ -20088,11 +20331,7 @@
           <a:p>
             <a:r>
               <a:rPr lang="en-US" dirty="0" smtClean="0"/>
-              <a:t>PSSM: </a:t>
-            </a:r>
-            <a:r>
-              <a:rPr lang="en-US" dirty="0" smtClean="0"/>
-              <a:t>State Machine Configuration</a:t>
+              <a:t>PSSM: State Machine Configuration</a:t>
             </a:r>
             <a:endParaRPr lang="en-US" dirty="0"/>
           </a:p>
@@ -20346,12 +20585,8 @@
           <a:lstStyle/>
           <a:p>
             <a:r>
-              <a:rPr lang="en-US" altLang="en-US" dirty="0" smtClean="0"/>
-              <a:t>14 Septembre </a:t>
-            </a:r>
-            <a:r>
-              <a:rPr lang="en-US" altLang="en-US" dirty="0" smtClean="0"/>
-              <a:t>2016</a:t>
+              <a:rPr lang="en-US" altLang="en-US" smtClean="0"/>
+              <a:t>14 September 2016</a:t>
             </a:r>
             <a:endParaRPr lang="en-US" altLang="en-US" dirty="0"/>
           </a:p>
@@ -20432,7 +20667,7 @@
               </a14:hiddenEffects>
             </a:ext>
             <a:ext uri="{FAA26D3D-D897-4be2-8F04-BA451C77F1D7}">
-              <ma14:placeholderFlag xmlns:ma14="http://schemas.microsoft.com/office/mac/drawingml/2011/main" xmlns="" val="1"/>
+              <ma14:placeholderFlag xmlns:ma14="http://schemas.microsoft.com/office/mac/drawingml/2011/main" val="1"/>
             </a:ext>
           </a:extLst>
         </p:spPr>
@@ -20743,8 +20978,8 @@
           <a:lstStyle/>
           <a:p>
             <a:r>
-              <a:rPr lang="en-US" altLang="en-US" dirty="0" smtClean="0"/>
-              <a:t>16 Septembre 2016</a:t>
+              <a:rPr lang="en-US" altLang="en-US" smtClean="0"/>
+              <a:t>14 September 2016</a:t>
             </a:r>
             <a:endParaRPr lang="en-US" altLang="en-US" dirty="0"/>
           </a:p>
@@ -20821,15 +21056,7 @@
           <a:p>
             <a:r>
               <a:rPr lang="en-US" dirty="0" smtClean="0"/>
-              <a:t>PSSM: </a:t>
-            </a:r>
-            <a:r>
-              <a:rPr lang="en-US" dirty="0" smtClean="0"/>
-              <a:t>State </a:t>
-            </a:r>
-            <a:r>
-              <a:rPr lang="en-US" dirty="0" smtClean="0"/>
-              <a:t>Activation (1)</a:t>
+              <a:t>PSSM: State Activation (1)</a:t>
             </a:r>
             <a:endParaRPr lang="en-US" dirty="0"/>
           </a:p>
@@ -20970,12 +21197,8 @@
           <a:lstStyle/>
           <a:p>
             <a:r>
-              <a:rPr lang="en-US" altLang="en-US" dirty="0" smtClean="0"/>
-              <a:t>14 Septembre </a:t>
-            </a:r>
-            <a:r>
-              <a:rPr lang="en-US" altLang="en-US" dirty="0" smtClean="0"/>
-              <a:t>2016</a:t>
+              <a:rPr lang="en-US" altLang="en-US" smtClean="0"/>
+              <a:t>14 September 2016</a:t>
             </a:r>
             <a:endParaRPr lang="en-US" altLang="en-US" dirty="0"/>
           </a:p>
@@ -21333,15 +21556,7 @@
           <a:p>
             <a:r>
               <a:rPr lang="en-US" dirty="0" smtClean="0"/>
-              <a:t>PSSM: </a:t>
-            </a:r>
-            <a:r>
-              <a:rPr lang="en-US" dirty="0" smtClean="0"/>
-              <a:t>State </a:t>
-            </a:r>
-            <a:r>
-              <a:rPr lang="en-US" dirty="0" smtClean="0"/>
-              <a:t>Activation (2)</a:t>
+              <a:t>PSSM: State Activation (2)</a:t>
             </a:r>
             <a:endParaRPr lang="en-US" dirty="0"/>
           </a:p>
@@ -21692,12 +21907,8 @@
           <a:lstStyle/>
           <a:p>
             <a:r>
-              <a:rPr lang="en-US" altLang="en-US" dirty="0" smtClean="0"/>
-              <a:t>14 Septembre </a:t>
-            </a:r>
-            <a:r>
-              <a:rPr lang="en-US" altLang="en-US" dirty="0" smtClean="0"/>
-              <a:t>2016</a:t>
+              <a:rPr lang="en-US" altLang="en-US" smtClean="0"/>
+              <a:t>14 September 2016</a:t>
             </a:r>
             <a:endParaRPr lang="en-US" altLang="en-US" dirty="0"/>
           </a:p>
@@ -21807,8 +22018,8 @@
           <a:lstStyle/>
           <a:p>
             <a:r>
-              <a:rPr lang="en-US" altLang="en-US" dirty="0" smtClean="0"/>
-              <a:t>14 Septembre 2016</a:t>
+              <a:rPr lang="en-US" altLang="en-US" smtClean="0"/>
+              <a:t>14 September 2016</a:t>
             </a:r>
             <a:endParaRPr lang="en-US" altLang="en-US" dirty="0"/>
           </a:p>
@@ -21913,7 +22124,7 @@
               </a14:hiddenEffects>
             </a:ext>
             <a:ext uri="{FAA26D3D-D897-4be2-8F04-BA451C77F1D7}">
-              <ma14:placeholderFlag xmlns:ma14="http://schemas.microsoft.com/office/mac/drawingml/2011/main" xmlns="" val="1"/>
+              <ma14:placeholderFlag xmlns:ma14="http://schemas.microsoft.com/office/mac/drawingml/2011/main" val="1"/>
             </a:ext>
           </a:extLst>
         </p:spPr>
@@ -22263,19 +22474,7 @@
           <a:p>
             <a:r>
               <a:rPr lang="en-US" dirty="0" smtClean="0"/>
-              <a:t>PSSM</a:t>
-            </a:r>
-            <a:r>
-              <a:rPr lang="en-US" dirty="0" smtClean="0"/>
-              <a:t>: </a:t>
-            </a:r>
-            <a:r>
-              <a:rPr lang="en-US" dirty="0" smtClean="0"/>
-              <a:t>Do Activity </a:t>
-            </a:r>
-            <a:r>
-              <a:rPr lang="en-US" dirty="0" smtClean="0"/>
-              <a:t>Execution (1)</a:t>
+              <a:t>PSSM: Do Activity Execution (1)</a:t>
             </a:r>
             <a:endParaRPr lang="en-US" dirty="0"/>
           </a:p>
@@ -22297,12 +22496,8 @@
           <a:lstStyle/>
           <a:p>
             <a:r>
-              <a:rPr lang="en-US" altLang="en-US" dirty="0" smtClean="0"/>
-              <a:t>14 Septembre </a:t>
-            </a:r>
-            <a:r>
-              <a:rPr lang="en-US" altLang="en-US" dirty="0" smtClean="0"/>
-              <a:t>2016</a:t>
+              <a:rPr lang="en-US" altLang="en-US" smtClean="0"/>
+              <a:t>14 September 2016</a:t>
             </a:r>
             <a:endParaRPr lang="en-US" altLang="en-US" dirty="0"/>
           </a:p>
@@ -22770,19 +22965,7 @@
           <a:p>
             <a:r>
               <a:rPr lang="en-US" dirty="0" smtClean="0"/>
-              <a:t>PSSM</a:t>
-            </a:r>
-            <a:r>
-              <a:rPr lang="en-US" dirty="0" smtClean="0"/>
-              <a:t>: </a:t>
-            </a:r>
-            <a:r>
-              <a:rPr lang="en-US" dirty="0" smtClean="0"/>
-              <a:t>Do Activity </a:t>
-            </a:r>
-            <a:r>
-              <a:rPr lang="en-US" dirty="0" smtClean="0"/>
-              <a:t>Execution (2)</a:t>
+              <a:t>PSSM: Do Activity Execution (2)</a:t>
             </a:r>
             <a:endParaRPr lang="en-US" dirty="0"/>
           </a:p>
@@ -22804,12 +22987,8 @@
           <a:lstStyle/>
           <a:p>
             <a:r>
-              <a:rPr lang="en-US" altLang="en-US" dirty="0" smtClean="0"/>
-              <a:t>14 Septembre </a:t>
-            </a:r>
-            <a:r>
-              <a:rPr lang="en-US" altLang="en-US" dirty="0" smtClean="0"/>
-              <a:t>2016</a:t>
+              <a:rPr lang="en-US" altLang="en-US" smtClean="0"/>
+              <a:t>14 September 2016</a:t>
             </a:r>
             <a:endParaRPr lang="en-US" altLang="en-US" dirty="0"/>
           </a:p>
@@ -22890,7 +23069,7 @@
               </a14:hiddenEffects>
             </a:ext>
             <a:ext uri="{FAA26D3D-D897-4be2-8F04-BA451C77F1D7}">
-              <ma14:placeholderFlag xmlns:ma14="http://schemas.microsoft.com/office/mac/drawingml/2011/main" xmlns="" val="1"/>
+              <ma14:placeholderFlag xmlns:ma14="http://schemas.microsoft.com/office/mac/drawingml/2011/main" val="1"/>
             </a:ext>
           </a:extLst>
         </p:spPr>
@@ -23184,8 +23363,8 @@
           <a:lstStyle/>
           <a:p>
             <a:r>
-              <a:rPr lang="en-US" altLang="en-US" dirty="0" smtClean="0"/>
-              <a:t>16 Septembre 2016</a:t>
+              <a:rPr lang="en-US" altLang="en-US" smtClean="0"/>
+              <a:t>14 September 2016</a:t>
             </a:r>
             <a:endParaRPr lang="en-US" altLang="en-US" dirty="0"/>
           </a:p>
@@ -23380,7 +23559,7 @@
               </a14:hiddenEffects>
             </a:ext>
             <a:ext uri="{FAA26D3D-D897-4be2-8F04-BA451C77F1D7}">
-              <ma14:placeholderFlag xmlns:ma14="http://schemas.microsoft.com/office/mac/drawingml/2011/main" xmlns="" val="1"/>
+              <ma14:placeholderFlag xmlns:ma14="http://schemas.microsoft.com/office/mac/drawingml/2011/main" val="1"/>
             </a:ext>
           </a:extLst>
         </p:spPr>
@@ -23668,7 +23847,7 @@
             <p:ph idx="1"/>
             <p:extLst>
               <p:ext uri="{D42A27DB-BD31-4B8C-83A1-F6EECF244321}">
-                <p14:modId xmlns:p14="http://schemas.microsoft.com/office/powerpoint/2010/main" val="3032051378"/>
+                <p14:modId xmlns:p14="http://schemas.microsoft.com/office/powerpoint/2010/main" val="1401837440"/>
               </p:ext>
             </p:extLst>
           </p:nvPr>
@@ -24112,7 +24291,23 @@
                             <a:schemeClr val="tx1"/>
                           </a:solidFill>
                         </a:rPr>
-                        <a:t> subsets UML 2.5 abstract syntax.</a:t>
+                        <a:t> subsets UML </a:t>
+                      </a:r>
+                      <a:r>
+                        <a:rPr lang="en-US" baseline="0" dirty="0" smtClean="0">
+                          <a:solidFill>
+                            <a:schemeClr val="tx1"/>
+                          </a:solidFill>
+                        </a:rPr>
+                        <a:t>2.5 </a:t>
+                      </a:r>
+                      <a:r>
+                        <a:rPr lang="en-US" baseline="0" dirty="0" smtClean="0">
+                          <a:solidFill>
+                            <a:schemeClr val="tx1"/>
+                          </a:solidFill>
+                        </a:rPr>
+                        <a:t>abstract syntax.</a:t>
                       </a:r>
                       <a:endParaRPr lang="en-US" dirty="0">
                         <a:solidFill>
@@ -24621,23 +24816,7 @@
                             <a:schemeClr val="tx1"/>
                           </a:solidFill>
                         </a:rPr>
-                        <a:t>Proposal includes suite of </a:t>
-                      </a:r>
-                      <a:r>
-                        <a:rPr lang="en-US" baseline="0" dirty="0" smtClean="0">
-                          <a:solidFill>
-                            <a:schemeClr val="tx1"/>
-                          </a:solidFill>
-                        </a:rPr>
-                        <a:t>98 </a:t>
-                      </a:r>
-                      <a:r>
-                        <a:rPr lang="en-US" baseline="0" dirty="0" smtClean="0">
-                          <a:solidFill>
-                            <a:schemeClr val="tx1"/>
-                          </a:solidFill>
-                        </a:rPr>
-                        <a:t>tests.</a:t>
+                        <a:t>Proposal includes suite of 98 tests.</a:t>
                       </a:r>
                     </a:p>
                   </a:txBody>
@@ -24763,7 +24942,7 @@
                             <a:schemeClr val="tx1"/>
                           </a:solidFill>
                         </a:rPr>
-                        <a:t>Current coverage </a:t>
+                        <a:t>Current </a:t>
                       </a:r>
                       <a:r>
                         <a:rPr lang="en-US" baseline="0" dirty="0" smtClean="0">
@@ -24771,7 +24950,7 @@
                             <a:schemeClr val="tx1"/>
                           </a:solidFill>
                         </a:rPr>
-                        <a:t>100% </a:t>
+                        <a:t>coverage is </a:t>
                       </a:r>
                       <a:r>
                         <a:rPr lang="en-US" baseline="0" dirty="0" smtClean="0">
@@ -24779,7 +24958,7 @@
                             <a:schemeClr val="tx1"/>
                           </a:solidFill>
                         </a:rPr>
-                        <a:t>of identified functional requirements.</a:t>
+                        <a:t>100% of identified functional requirements.</a:t>
                       </a:r>
                     </a:p>
                   </a:txBody>
@@ -24846,8 +25025,8 @@
           <a:lstStyle/>
           <a:p>
             <a:r>
-              <a:rPr lang="en-US" altLang="en-US" dirty="0"/>
-              <a:t>14 Septembre 2016</a:t>
+              <a:rPr lang="en-US" altLang="en-US" smtClean="0"/>
+              <a:t>14 September 2016</a:t>
             </a:r>
             <a:endParaRPr lang="en-US" altLang="en-US" dirty="0"/>
           </a:p>
@@ -25278,7 +25457,7 @@
         </p:blipFill>
         <p:spPr bwMode="auto">
           <a:xfrm>
-            <a:off x="4598913" y="5744013"/>
+            <a:off x="4598913" y="5661248"/>
             <a:ext cx="332507" cy="332507"/>
           </a:xfrm>
           <a:prstGeom prst="rect">
@@ -25385,8 +25564,8 @@
           <a:lstStyle/>
           <a:p>
             <a:r>
-              <a:rPr lang="en-US" altLang="en-US" dirty="0" smtClean="0"/>
-              <a:t>14 Septembre 2016</a:t>
+              <a:rPr lang="en-US" altLang="en-US" smtClean="0"/>
+              <a:t>14 September 2016</a:t>
             </a:r>
             <a:endParaRPr lang="en-US" altLang="en-US" dirty="0"/>
           </a:p>
@@ -25869,8 +26048,8 @@
           <a:lstStyle/>
           <a:p>
             <a:r>
-              <a:rPr lang="en-US" altLang="en-US" dirty="0" smtClean="0"/>
-              <a:t>14 Septembre 2016</a:t>
+              <a:rPr lang="en-US" altLang="en-US" smtClean="0"/>
+              <a:t>14 September 2016</a:t>
             </a:r>
             <a:endParaRPr lang="en-US" altLang="en-US" dirty="0"/>
           </a:p>
@@ -26355,8 +26534,8 @@
           <a:lstStyle/>
           <a:p>
             <a:r>
-              <a:rPr lang="en-US" altLang="en-US" dirty="0" smtClean="0"/>
-              <a:t>14 Septembre 2016</a:t>
+              <a:rPr lang="en-US" altLang="en-US" smtClean="0"/>
+              <a:t>14 September 2016</a:t>
             </a:r>
             <a:endParaRPr lang="en-US" altLang="en-US" dirty="0"/>
           </a:p>
@@ -26641,7 +26820,7 @@
               </a14:hiddenEffects>
             </a:ext>
             <a:ext uri="{FAA26D3D-D897-4be2-8F04-BA451C77F1D7}">
-              <ma14:placeholderFlag xmlns:ma14="http://schemas.microsoft.com/office/mac/drawingml/2011/main" xmlns="" val="1"/>
+              <ma14:placeholderFlag xmlns:ma14="http://schemas.microsoft.com/office/mac/drawingml/2011/main" val="1"/>
             </a:ext>
           </a:extLst>
         </p:spPr>
@@ -26916,8 +27095,8 @@
           <a:lstStyle/>
           <a:p>
             <a:r>
-              <a:rPr lang="en-US" altLang="en-US" dirty="0" smtClean="0"/>
-              <a:t>14 Septembre 2016</a:t>
+              <a:rPr lang="en-US" altLang="en-US" smtClean="0"/>
+              <a:t>14 September 2016</a:t>
             </a:r>
             <a:endParaRPr lang="en-US" altLang="en-US" dirty="0"/>
           </a:p>
@@ -27202,7 +27381,7 @@
               </a14:hiddenEffects>
             </a:ext>
             <a:ext uri="{FAA26D3D-D897-4be2-8F04-BA451C77F1D7}">
-              <ma14:placeholderFlag xmlns:ma14="http://schemas.microsoft.com/office/mac/drawingml/2011/main" xmlns="" val="1"/>
+              <ma14:placeholderFlag xmlns:ma14="http://schemas.microsoft.com/office/mac/drawingml/2011/main" val="1"/>
             </a:ext>
           </a:extLst>
         </p:spPr>
@@ -27518,13 +27697,7 @@
               <a:rPr lang="en-US" sz="1100" dirty="0" smtClean="0">
                 <a:cs typeface="Courier New" panose="02070309020205020404" pitchFamily="49" charset="0"/>
               </a:rPr>
-              <a:t>capture </a:t>
-            </a:r>
-            <a:r>
-              <a:rPr lang="en-US" sz="1100" dirty="0" smtClean="0">
-                <a:cs typeface="Courier New" panose="02070309020205020404" pitchFamily="49" charset="0"/>
-              </a:rPr>
-              <a:t>semantics of a kind of </a:t>
+              <a:t>capture semantics of a kind of </a:t>
             </a:r>
             <a:r>
               <a:rPr lang="en-US" sz="1100" dirty="0" smtClean="0">
@@ -27590,15 +27763,7 @@
           <a:p>
             <a:r>
               <a:rPr lang="en-US" dirty="0" smtClean="0"/>
-              <a:t>PSSM: </a:t>
-            </a:r>
-            <a:r>
-              <a:rPr lang="en-US" dirty="0" smtClean="0"/>
-              <a:t>Transition </a:t>
-            </a:r>
-            <a:r>
-              <a:rPr lang="en-US" dirty="0" smtClean="0"/>
-              <a:t>Activations (1)</a:t>
+              <a:t>PSSM: Transition Activations (1)</a:t>
             </a:r>
             <a:endParaRPr lang="en-US" dirty="0"/>
           </a:p>
@@ -27620,12 +27785,8 @@
           <a:lstStyle/>
           <a:p>
             <a:r>
-              <a:rPr lang="en-US" altLang="en-US" dirty="0" smtClean="0"/>
-              <a:t>14 Septembre </a:t>
-            </a:r>
-            <a:r>
-              <a:rPr lang="en-US" altLang="en-US" dirty="0" smtClean="0"/>
-              <a:t>2016</a:t>
+              <a:rPr lang="en-US" altLang="en-US" smtClean="0"/>
+              <a:t>14 September 2016</a:t>
             </a:r>
             <a:endParaRPr lang="en-US" altLang="en-US" dirty="0"/>
           </a:p>
@@ -27844,15 +28005,7 @@
           <a:p>
             <a:r>
               <a:rPr lang="en-US" dirty="0" smtClean="0"/>
-              <a:t>PSSM: </a:t>
-            </a:r>
-            <a:r>
-              <a:rPr lang="en-US" dirty="0" smtClean="0"/>
-              <a:t>Transition </a:t>
-            </a:r>
-            <a:r>
-              <a:rPr lang="en-US" dirty="0" smtClean="0"/>
-              <a:t>Activations (2)</a:t>
+              <a:t>PSSM: Transition Activations (2)</a:t>
             </a:r>
             <a:endParaRPr lang="en-US" dirty="0"/>
           </a:p>
@@ -27874,12 +28027,8 @@
           <a:lstStyle/>
           <a:p>
             <a:r>
-              <a:rPr lang="en-US" altLang="en-US" dirty="0" smtClean="0"/>
-              <a:t>14 Septembre </a:t>
-            </a:r>
-            <a:r>
-              <a:rPr lang="en-US" altLang="en-US" dirty="0" smtClean="0"/>
-              <a:t>2016</a:t>
+              <a:rPr lang="en-US" altLang="en-US" smtClean="0"/>
+              <a:t>14 September 2016</a:t>
             </a:r>
             <a:endParaRPr lang="en-US" altLang="en-US" dirty="0"/>
           </a:p>
@@ -27960,7 +28109,7 @@
               </a14:hiddenEffects>
             </a:ext>
             <a:ext uri="{FAA26D3D-D897-4be2-8F04-BA451C77F1D7}">
-              <ma14:placeholderFlag xmlns:ma14="http://schemas.microsoft.com/office/mac/drawingml/2011/main" xmlns="" val="1"/>
+              <ma14:placeholderFlag xmlns:ma14="http://schemas.microsoft.com/office/mac/drawingml/2011/main" val="1"/>
             </a:ext>
           </a:extLst>
         </p:spPr>
@@ -28265,15 +28414,7 @@
           <a:p>
             <a:r>
               <a:rPr lang="en-US" dirty="0" smtClean="0"/>
-              <a:t>PSSM: </a:t>
-            </a:r>
-            <a:r>
-              <a:rPr lang="en-US" dirty="0" smtClean="0"/>
-              <a:t>Transition </a:t>
-            </a:r>
-            <a:r>
-              <a:rPr lang="en-US" dirty="0" smtClean="0"/>
-              <a:t>Activations (3)</a:t>
+              <a:t>PSSM: Transition Activations (3)</a:t>
             </a:r>
             <a:endParaRPr lang="en-US" dirty="0"/>
           </a:p>
@@ -28295,12 +28436,8 @@
           <a:lstStyle/>
           <a:p>
             <a:r>
-              <a:rPr lang="en-US" altLang="en-US" dirty="0" smtClean="0"/>
-              <a:t>14 Septembre </a:t>
-            </a:r>
-            <a:r>
-              <a:rPr lang="en-US" altLang="en-US" dirty="0" smtClean="0"/>
-              <a:t>2016</a:t>
+              <a:rPr lang="en-US" altLang="en-US" smtClean="0"/>
+              <a:t>14 September 2016</a:t>
             </a:r>
             <a:endParaRPr lang="en-US" altLang="en-US" dirty="0"/>
           </a:p>
@@ -28381,7 +28518,7 @@
               </a14:hiddenEffects>
             </a:ext>
             <a:ext uri="{FAA26D3D-D897-4be2-8F04-BA451C77F1D7}">
-              <ma14:placeholderFlag xmlns:ma14="http://schemas.microsoft.com/office/mac/drawingml/2011/main" xmlns="" val="1"/>
+              <ma14:placeholderFlag xmlns:ma14="http://schemas.microsoft.com/office/mac/drawingml/2011/main" val="1"/>
             </a:ext>
           </a:extLst>
         </p:spPr>
@@ -28627,15 +28764,7 @@
           <a:p>
             <a:r>
               <a:rPr lang="en-US" dirty="0" smtClean="0"/>
-              <a:t>PSSM: </a:t>
-            </a:r>
-            <a:r>
-              <a:rPr lang="en-US" dirty="0" smtClean="0"/>
-              <a:t>Transition </a:t>
-            </a:r>
-            <a:r>
-              <a:rPr lang="en-US" dirty="0" smtClean="0"/>
-              <a:t>Activations (4)</a:t>
+              <a:t>PSSM: Transition Activations (4)</a:t>
             </a:r>
             <a:endParaRPr lang="en-US" dirty="0"/>
           </a:p>
@@ -28657,12 +28786,8 @@
           <a:lstStyle/>
           <a:p>
             <a:r>
-              <a:rPr lang="en-US" altLang="en-US" dirty="0" smtClean="0"/>
-              <a:t>14 Septembre </a:t>
-            </a:r>
-            <a:r>
-              <a:rPr lang="en-US" altLang="en-US" dirty="0" smtClean="0"/>
-              <a:t>2016</a:t>
+              <a:rPr lang="en-US" altLang="en-US" smtClean="0"/>
+              <a:t>14 September 2016</a:t>
             </a:r>
             <a:endParaRPr lang="en-US" altLang="en-US" dirty="0"/>
           </a:p>
@@ -28743,7 +28868,7 @@
               </a14:hiddenEffects>
             </a:ext>
             <a:ext uri="{FAA26D3D-D897-4be2-8F04-BA451C77F1D7}">
-              <ma14:placeholderFlag xmlns:ma14="http://schemas.microsoft.com/office/mac/drawingml/2011/main" xmlns="" val="1"/>
+              <ma14:placeholderFlag xmlns:ma14="http://schemas.microsoft.com/office/mac/drawingml/2011/main" val="1"/>
             </a:ext>
           </a:extLst>
         </p:spPr>
@@ -29098,8 +29223,8 @@
           <a:lstStyle/>
           <a:p>
             <a:r>
-              <a:rPr lang="en-US" altLang="en-US" dirty="0" smtClean="0"/>
-              <a:t>16 Septembre 2016</a:t>
+              <a:rPr lang="en-US" altLang="en-US" smtClean="0"/>
+              <a:t>14 September 2016</a:t>
             </a:r>
             <a:endParaRPr lang="en-US" altLang="en-US" dirty="0"/>
           </a:p>
@@ -29198,12 +29323,8 @@
           <a:lstStyle/>
           <a:p>
             <a:r>
-              <a:rPr lang="en-US" altLang="en-US" dirty="0" smtClean="0"/>
-              <a:t>14 Septembre </a:t>
-            </a:r>
-            <a:r>
-              <a:rPr lang="en-US" altLang="en-US" dirty="0" smtClean="0"/>
-              <a:t>2016</a:t>
+              <a:rPr lang="en-US" altLang="en-US" smtClean="0"/>
+              <a:t>14 September 2016</a:t>
             </a:r>
             <a:endParaRPr lang="en-US" altLang="en-US" dirty="0"/>
           </a:p>
@@ -29284,7 +29405,7 @@
               </a14:hiddenEffects>
             </a:ext>
             <a:ext uri="{FAA26D3D-D897-4be2-8F04-BA451C77F1D7}">
-              <ma14:placeholderFlag xmlns:ma14="http://schemas.microsoft.com/office/mac/drawingml/2011/main" xmlns="" val="1"/>
+              <ma14:placeholderFlag xmlns:ma14="http://schemas.microsoft.com/office/mac/drawingml/2011/main" val="1"/>
             </a:ext>
           </a:extLst>
         </p:spPr>
@@ -30439,15 +30560,7 @@
                             <a:schemeClr val="tx1"/>
                           </a:solidFill>
                         </a:rPr>
-                        <a:t>Proposal discusses the semantics of state machine </a:t>
-                      </a:r>
-                      <a:r>
-                        <a:rPr lang="en-US" dirty="0" smtClean="0">
-                          <a:solidFill>
-                            <a:schemeClr val="tx1"/>
-                          </a:solidFill>
-                        </a:rPr>
-                        <a:t>redefinition and includes its formal specification in</a:t>
+                        <a:t>Proposal discusses the semantics of state machine redefinition and includes its formal specification in</a:t>
                       </a:r>
                       <a:r>
                         <a:rPr lang="en-US" baseline="0" dirty="0" smtClean="0">
@@ -30921,8 +31034,8 @@
           <a:lstStyle/>
           <a:p>
             <a:r>
-              <a:rPr lang="en-US" altLang="en-US" dirty="0"/>
-              <a:t>14 Septembre 2016</a:t>
+              <a:rPr lang="en-US" altLang="en-US" smtClean="0"/>
+              <a:t>14 September 2016</a:t>
             </a:r>
             <a:endParaRPr lang="en-US" altLang="en-US" dirty="0"/>
           </a:p>
@@ -31353,12 +31466,8 @@
           <a:lstStyle/>
           <a:p>
             <a:r>
-              <a:rPr lang="en-US" altLang="en-US" dirty="0" smtClean="0"/>
-              <a:t>14 Septembre </a:t>
-            </a:r>
-            <a:r>
-              <a:rPr lang="en-US" altLang="en-US" dirty="0" smtClean="0"/>
-              <a:t>2016</a:t>
+              <a:rPr lang="en-US" altLang="en-US" smtClean="0"/>
+              <a:t>14 September 2016</a:t>
             </a:r>
             <a:endParaRPr lang="en-US" altLang="en-US" dirty="0"/>
           </a:p>
@@ -31439,7 +31548,7 @@
               </a14:hiddenEffects>
             </a:ext>
             <a:ext uri="{FAA26D3D-D897-4be2-8F04-BA451C77F1D7}">
-              <ma14:placeholderFlag xmlns:ma14="http://schemas.microsoft.com/office/mac/drawingml/2011/main" xmlns="" val="1"/>
+              <ma14:placeholderFlag xmlns:ma14="http://schemas.microsoft.com/office/mac/drawingml/2011/main" val="1"/>
             </a:ext>
           </a:extLst>
         </p:spPr>
@@ -32060,8 +32169,8 @@
           <a:lstStyle/>
           <a:p>
             <a:r>
-              <a:rPr lang="en-US" altLang="en-US" dirty="0" smtClean="0"/>
-              <a:t>14 Septembre 2016</a:t>
+              <a:rPr lang="en-US" altLang="en-US" smtClean="0"/>
+              <a:t>14 September 2016</a:t>
             </a:r>
             <a:endParaRPr lang="en-US" altLang="en-US" dirty="0"/>
           </a:p>
@@ -32160,12 +32269,8 @@
           <a:lstStyle/>
           <a:p>
             <a:r>
-              <a:rPr lang="en-US" altLang="en-US" dirty="0" smtClean="0"/>
-              <a:t>14 Septembre </a:t>
-            </a:r>
-            <a:r>
-              <a:rPr lang="en-US" altLang="en-US" dirty="0" smtClean="0"/>
-              <a:t>2016</a:t>
+              <a:rPr lang="en-US" altLang="en-US" smtClean="0"/>
+              <a:t>14 September 2016</a:t>
             </a:r>
             <a:endParaRPr lang="en-US" altLang="en-US" dirty="0"/>
           </a:p>
@@ -32246,7 +32351,7 @@
               </a14:hiddenEffects>
             </a:ext>
             <a:ext uri="{FAA26D3D-D897-4be2-8F04-BA451C77F1D7}">
-              <ma14:placeholderFlag xmlns:ma14="http://schemas.microsoft.com/office/mac/drawingml/2011/main" xmlns="" val="1"/>
+              <ma14:placeholderFlag xmlns:ma14="http://schemas.microsoft.com/office/mac/drawingml/2011/main" val="1"/>
             </a:ext>
           </a:extLst>
         </p:spPr>
@@ -32829,12 +32934,8 @@
           <a:lstStyle/>
           <a:p>
             <a:r>
-              <a:rPr lang="en-US" altLang="en-US" dirty="0" smtClean="0"/>
-              <a:t>14 Septembre </a:t>
-            </a:r>
-            <a:r>
-              <a:rPr lang="en-US" altLang="en-US" dirty="0" smtClean="0"/>
-              <a:t>2016</a:t>
+              <a:rPr lang="en-US" altLang="en-US" smtClean="0"/>
+              <a:t>14 September 2016</a:t>
             </a:r>
             <a:endParaRPr lang="en-US" altLang="en-US" dirty="0"/>
           </a:p>
@@ -32915,7 +33016,7 @@
               </a14:hiddenEffects>
             </a:ext>
             <a:ext uri="{FAA26D3D-D897-4be2-8F04-BA451C77F1D7}">
-              <ma14:placeholderFlag xmlns:ma14="http://schemas.microsoft.com/office/mac/drawingml/2011/main" xmlns="" val="1"/>
+              <ma14:placeholderFlag xmlns:ma14="http://schemas.microsoft.com/office/mac/drawingml/2011/main" val="1"/>
             </a:ext>
           </a:extLst>
         </p:spPr>
@@ -33141,7 +33242,7 @@
               </a14:hiddenEffects>
             </a:ext>
             <a:ext uri="{FAA26D3D-D897-4be2-8F04-BA451C77F1D7}">
-              <ma14:placeholderFlag xmlns:ma14="http://schemas.microsoft.com/office/mac/drawingml/2011/main" xmlns="" val="1"/>
+              <ma14:placeholderFlag xmlns:ma14="http://schemas.microsoft.com/office/mac/drawingml/2011/main" val="1"/>
             </a:ext>
           </a:extLst>
         </p:spPr>
@@ -33451,12 +33552,8 @@
           <a:lstStyle/>
           <a:p>
             <a:r>
-              <a:rPr lang="en-US" altLang="en-US" dirty="0" smtClean="0"/>
-              <a:t>14 Septembre </a:t>
-            </a:r>
-            <a:r>
-              <a:rPr lang="en-US" altLang="en-US" dirty="0" smtClean="0"/>
-              <a:t>2016</a:t>
+              <a:rPr lang="en-US" altLang="en-US" smtClean="0"/>
+              <a:t>14 September 2016</a:t>
             </a:r>
             <a:endParaRPr lang="en-US" altLang="en-US" dirty="0"/>
           </a:p>
@@ -33537,7 +33634,7 @@
               </a14:hiddenEffects>
             </a:ext>
             <a:ext uri="{FAA26D3D-D897-4be2-8F04-BA451C77F1D7}">
-              <ma14:placeholderFlag xmlns:ma14="http://schemas.microsoft.com/office/mac/drawingml/2011/main" xmlns="" val="1"/>
+              <ma14:placeholderFlag xmlns:ma14="http://schemas.microsoft.com/office/mac/drawingml/2011/main" val="1"/>
             </a:ext>
           </a:extLst>
         </p:spPr>
@@ -33763,7 +33860,7 @@
               </a14:hiddenEffects>
             </a:ext>
             <a:ext uri="{FAA26D3D-D897-4be2-8F04-BA451C77F1D7}">
-              <ma14:placeholderFlag xmlns:ma14="http://schemas.microsoft.com/office/mac/drawingml/2011/main" xmlns="" val="1"/>
+              <ma14:placeholderFlag xmlns:ma14="http://schemas.microsoft.com/office/mac/drawingml/2011/main" val="1"/>
             </a:ext>
           </a:extLst>
         </p:spPr>
@@ -34076,8 +34173,8 @@
           <a:lstStyle/>
           <a:p>
             <a:r>
-              <a:rPr lang="en-US" altLang="en-US" dirty="0" smtClean="0"/>
-              <a:t>16 Septembre 2016</a:t>
+              <a:rPr lang="en-US" altLang="en-US" smtClean="0"/>
+              <a:t>14 September 2016</a:t>
             </a:r>
             <a:endParaRPr lang="en-US" altLang="en-US" dirty="0"/>
           </a:p>
@@ -34176,12 +34273,8 @@
           <a:lstStyle/>
           <a:p>
             <a:r>
-              <a:rPr lang="en-US" altLang="en-US" dirty="0" smtClean="0"/>
-              <a:t>14 Septembre </a:t>
-            </a:r>
-            <a:r>
-              <a:rPr lang="en-US" altLang="en-US" dirty="0" smtClean="0"/>
-              <a:t>2016</a:t>
+              <a:rPr lang="en-US" altLang="en-US" smtClean="0"/>
+              <a:t>14 September 2016</a:t>
             </a:r>
             <a:endParaRPr lang="en-US" altLang="en-US" dirty="0"/>
           </a:p>
@@ -34262,7 +34355,7 @@
               </a14:hiddenEffects>
             </a:ext>
             <a:ext uri="{FAA26D3D-D897-4be2-8F04-BA451C77F1D7}">
-              <ma14:placeholderFlag xmlns:ma14="http://schemas.microsoft.com/office/mac/drawingml/2011/main" xmlns="" val="1"/>
+              <ma14:placeholderFlag xmlns:ma14="http://schemas.microsoft.com/office/mac/drawingml/2011/main" val="1"/>
             </a:ext>
           </a:extLst>
         </p:spPr>
@@ -34616,7 +34709,7 @@
               </a14:hiddenEffects>
             </a:ext>
             <a:ext uri="{FAA26D3D-D897-4be2-8F04-BA451C77F1D7}">
-              <ma14:placeholderFlag xmlns:ma14="http://schemas.microsoft.com/office/mac/drawingml/2011/main" xmlns="" val="1"/>
+              <ma14:placeholderFlag xmlns:ma14="http://schemas.microsoft.com/office/mac/drawingml/2011/main" val="1"/>
             </a:ext>
           </a:extLst>
         </p:spPr>
@@ -35104,12 +35197,8 @@
           <a:lstStyle/>
           <a:p>
             <a:r>
-              <a:rPr lang="en-US" altLang="en-US" dirty="0" smtClean="0"/>
-              <a:t>14 Septembre </a:t>
-            </a:r>
-            <a:r>
-              <a:rPr lang="en-US" altLang="en-US" dirty="0" smtClean="0"/>
-              <a:t>2016</a:t>
+              <a:rPr lang="en-US" altLang="en-US" smtClean="0"/>
+              <a:t>14 September 2016</a:t>
             </a:r>
             <a:endParaRPr lang="en-US" altLang="en-US" dirty="0"/>
           </a:p>
@@ -36042,8 +36131,8 @@
           <a:lstStyle/>
           <a:p>
             <a:r>
-              <a:rPr lang="en-US" altLang="en-US" dirty="0" smtClean="0"/>
-              <a:t>16 Septembre 2016</a:t>
+              <a:rPr lang="en-US" altLang="en-US" smtClean="0"/>
+              <a:t>14 September 2016</a:t>
             </a:r>
             <a:endParaRPr lang="en-US" altLang="en-US" dirty="0"/>
           </a:p>
@@ -36616,7 +36705,7 @@
           <a:p>
             <a:r>
               <a:rPr lang="en-US" altLang="en-US" smtClean="0"/>
-              <a:t>16 March 2016</a:t>
+              <a:t>14 September 2016</a:t>
             </a:r>
             <a:endParaRPr lang="en-US" altLang="en-US"/>
           </a:p>
@@ -36794,11 +36883,19 @@
                   <a:srgbClr val="FF0000"/>
                 </a:solidFill>
               </a:rPr>
-              <a:t>require an abstract syntax change</a:t>
+              <a:t>require an abstract syntax </a:t>
+            </a:r>
+            <a:r>
+              <a:rPr lang="en-US" dirty="0" smtClean="0">
+                <a:solidFill>
+                  <a:srgbClr val="FF0000"/>
+                </a:solidFill>
+              </a:rPr>
+              <a:t>change </a:t>
             </a:r>
             <a:r>
               <a:rPr lang="en-US" dirty="0" smtClean="0"/>
-              <a:t>.</a:t>
+              <a:t>(to be made in UML 2.5.1).</a:t>
             </a:r>
             <a:endParaRPr lang="en-US" dirty="0" smtClean="0"/>
           </a:p>
@@ -36844,8 +36941,8 @@
           <a:lstStyle/>
           <a:p>
             <a:r>
-              <a:rPr lang="en-US" altLang="en-US" dirty="0"/>
-              <a:t>14 Septembre 2016</a:t>
+              <a:rPr lang="en-US" altLang="en-US" smtClean="0"/>
+              <a:t>14 September 2016</a:t>
             </a:r>
             <a:endParaRPr lang="en-US" altLang="en-US" dirty="0"/>
           </a:p>
@@ -36974,8 +37071,8 @@
           <a:lstStyle/>
           <a:p>
             <a:r>
-              <a:rPr lang="en-US" altLang="en-US" dirty="0" smtClean="0"/>
-              <a:t>16 Septembre 2016</a:t>
+              <a:rPr lang="en-US" altLang="en-US" smtClean="0"/>
+              <a:t>14 September 2016</a:t>
             </a:r>
             <a:endParaRPr lang="en-US" altLang="en-US" dirty="0"/>
           </a:p>
@@ -37375,19 +37472,7 @@
               <a:rPr lang="en-US" sz="1100" dirty="0" smtClean="0">
                 <a:cs typeface="Courier New" panose="02070309020205020404" pitchFamily="49" charset="0"/>
               </a:rPr>
-              <a:t>. It is also responsible for the computation of the test verdict. The test verdict calculation is based on the comparison between the generated execution trace and the execution </a:t>
-            </a:r>
-            <a:r>
-              <a:rPr lang="en-US" sz="1100" dirty="0" smtClean="0">
-                <a:cs typeface="Courier New" panose="02070309020205020404" pitchFamily="49" charset="0"/>
-              </a:rPr>
-              <a:t>traces </a:t>
-            </a:r>
-            <a:r>
-              <a:rPr lang="en-US" sz="1100" dirty="0" smtClean="0">
-                <a:cs typeface="Courier New" panose="02070309020205020404" pitchFamily="49" charset="0"/>
-              </a:rPr>
-              <a:t>expected by the test. </a:t>
+              <a:t>. It is also responsible for the computation of the test verdict. The test verdict calculation is based on the comparison between the generated execution trace and the execution traces expected by the test. </a:t>
             </a:r>
             <a:endParaRPr lang="en-US" sz="1100" dirty="0">
               <a:cs typeface="Courier New" panose="02070309020205020404" pitchFamily="49" charset="0"/>
@@ -37481,13 +37566,7 @@
               <a:rPr lang="en-US" sz="1100" dirty="0" smtClean="0">
                 <a:cs typeface="Courier New" panose="02070309020205020404" pitchFamily="49" charset="0"/>
               </a:rPr>
-              <a:t>Communications done by </a:t>
-            </a:r>
-            <a:r>
-              <a:rPr lang="en-US" sz="1100" dirty="0" smtClean="0">
-                <a:cs typeface="Courier New" panose="02070309020205020404" pitchFamily="49" charset="0"/>
-              </a:rPr>
-              <a:t>event passing</a:t>
+              <a:t>Communications done by event passing</a:t>
             </a:r>
             <a:endParaRPr lang="en-US" sz="1100" dirty="0">
               <a:cs typeface="Courier New" panose="02070309020205020404" pitchFamily="49" charset="0"/>
@@ -37548,12 +37627,8 @@
           <a:lstStyle/>
           <a:p>
             <a:r>
-              <a:rPr lang="en-US" altLang="en-US" dirty="0" smtClean="0"/>
-              <a:t>14 Septembre </a:t>
-            </a:r>
-            <a:r>
-              <a:rPr lang="en-US" altLang="en-US" dirty="0" smtClean="0"/>
-              <a:t>2016</a:t>
+              <a:rPr lang="en-US" altLang="en-US" smtClean="0"/>
+              <a:t>14 September 2016</a:t>
             </a:r>
             <a:endParaRPr lang="en-US" altLang="en-US" dirty="0"/>
           </a:p>
@@ -38230,7 +38305,7 @@
           <a:p>
             <a:r>
               <a:rPr lang="en-US" altLang="en-US" smtClean="0"/>
-              <a:t>16 March 2016</a:t>
+              <a:t>14 September 2016</a:t>
             </a:r>
             <a:endParaRPr lang="en-US" altLang="en-US"/>
           </a:p>
@@ -39377,7 +39452,7 @@
           <a:p>
             <a:r>
               <a:rPr lang="en-US" altLang="en-US" smtClean="0"/>
-              <a:t>16 March 2016</a:t>
+              <a:t>14 September 2016</a:t>
             </a:r>
             <a:endParaRPr lang="en-US" altLang="en-US"/>
           </a:p>
@@ -39506,8 +39581,8 @@
           <a:lstStyle/>
           <a:p>
             <a:r>
-              <a:rPr lang="en-US" altLang="en-US" dirty="0" smtClean="0"/>
-              <a:t>16 Septembre 2016</a:t>
+              <a:rPr lang="en-US" altLang="en-US" smtClean="0"/>
+              <a:t>14 September 2016</a:t>
             </a:r>
             <a:endParaRPr lang="en-US" altLang="en-US" dirty="0"/>
           </a:p>
@@ -39606,8 +39681,8 @@
           <a:lstStyle/>
           <a:p>
             <a:r>
-              <a:rPr lang="en-US" altLang="en-US" dirty="0" smtClean="0"/>
-              <a:t>14 Septembre 2016</a:t>
+              <a:rPr lang="en-US" altLang="en-US" smtClean="0"/>
+              <a:t>14 September 2016</a:t>
             </a:r>
             <a:endParaRPr lang="en-US" altLang="en-US" dirty="0"/>
           </a:p>
@@ -40336,8 +40411,8 @@
           <a:lstStyle/>
           <a:p>
             <a:r>
-              <a:rPr lang="en-US" altLang="en-US" dirty="0" smtClean="0"/>
-              <a:t>14 Septembre 2016</a:t>
+              <a:rPr lang="en-US" altLang="en-US" smtClean="0"/>
+              <a:t>14 September 2016</a:t>
             </a:r>
             <a:endParaRPr lang="en-US" altLang="en-US" dirty="0"/>
           </a:p>
@@ -40888,8 +40963,8 @@
           <a:lstStyle/>
           <a:p>
             <a:r>
-              <a:rPr lang="en-US" altLang="en-US" dirty="0" smtClean="0"/>
-              <a:t>14 Septembre 2016</a:t>
+              <a:rPr lang="en-US" altLang="en-US" smtClean="0"/>
+              <a:t>14 September 2016</a:t>
             </a:r>
             <a:endParaRPr lang="en-US" altLang="en-US" dirty="0"/>
           </a:p>
@@ -41326,8 +41401,8 @@
           <a:lstStyle/>
           <a:p>
             <a:r>
-              <a:rPr lang="en-US" altLang="en-US" dirty="0" smtClean="0"/>
-              <a:t>14 Septembre 2016</a:t>
+              <a:rPr lang="en-US" altLang="en-US" smtClean="0"/>
+              <a:t>14 September 2016</a:t>
             </a:r>
             <a:endParaRPr lang="en-US" altLang="en-US" dirty="0"/>
           </a:p>
@@ -41701,8 +41776,8 @@
           <a:lstStyle/>
           <a:p>
             <a:r>
-              <a:rPr lang="en-US" altLang="en-US" dirty="0" smtClean="0"/>
-              <a:t>14 Septembre 2016</a:t>
+              <a:rPr lang="en-US" altLang="en-US" smtClean="0"/>
+              <a:t>14 September 2016</a:t>
             </a:r>
             <a:endParaRPr lang="en-US" altLang="en-US" dirty="0"/>
           </a:p>
@@ -42198,7 +42273,7 @@
         </p:spPr>
         <p:txBody>
           <a:bodyPr>
-            <a:normAutofit fontScale="92500" lnSpcReduction="20000"/>
+            <a:normAutofit fontScale="92500" lnSpcReduction="10000"/>
           </a:bodyPr>
           <a:lstStyle/>
           <a:p>
@@ -42248,20 +42323,17 @@
             </a:r>
           </a:p>
           <a:p>
-            <a:pPr marL="914400" lvl="1" indent="-514350"/>
-            <a:r>
-              <a:rPr lang="en-US" dirty="0" smtClean="0"/>
-              <a:t>Plan to provide such a mapping in the revised specification.</a:t>
-            </a:r>
-          </a:p>
-          <a:p>
             <a:pPr marL="514350" indent="-514350">
               <a:buFont typeface="+mj-lt"/>
               <a:buAutoNum type="arabicPeriod" startAt="4"/>
             </a:pPr>
             <a:r>
               <a:rPr lang="en-US" i="1" dirty="0" smtClean="0"/>
-              <a:t>Proof of concept implementation</a:t>
+              <a:t>Proof </a:t>
+            </a:r>
+            <a:r>
+              <a:rPr lang="en-US" i="1" dirty="0" smtClean="0"/>
+              <a:t>of concept implementation</a:t>
             </a:r>
           </a:p>
           <a:p>
@@ -42294,15 +42366,7 @@
             <a:pPr marL="914400" lvl="1" indent="-514350"/>
             <a:r>
               <a:rPr lang="en-US" dirty="0" smtClean="0"/>
-              <a:t>Passes all </a:t>
-            </a:r>
-            <a:r>
-              <a:rPr lang="en-US" dirty="0" smtClean="0"/>
-              <a:t>98 </a:t>
-            </a:r>
-            <a:r>
-              <a:rPr lang="en-US" dirty="0" smtClean="0"/>
-              <a:t>current PSSM tests, without violating any PSCS tests.</a:t>
+              <a:t>Passes all 98 current PSSM tests, without violating any PSCS tests.</a:t>
             </a:r>
             <a:endParaRPr lang="en-US" dirty="0"/>
           </a:p>
@@ -42324,8 +42388,8 @@
           <a:lstStyle/>
           <a:p>
             <a:r>
-              <a:rPr lang="en-US" altLang="en-US" dirty="0"/>
-              <a:t>14 Septembre 2016</a:t>
+              <a:rPr lang="en-US" altLang="en-US" smtClean="0"/>
+              <a:t>14 September 2016</a:t>
             </a:r>
             <a:endParaRPr lang="en-US" altLang="en-US" dirty="0"/>
           </a:p>
@@ -42431,8 +42495,8 @@
           <a:lstStyle/>
           <a:p>
             <a:r>
-              <a:rPr lang="en-US" altLang="en-US" dirty="0" smtClean="0"/>
-              <a:t>14 Septembre 2016</a:t>
+              <a:rPr lang="en-US" altLang="en-US" smtClean="0"/>
+              <a:t>14 September 2016</a:t>
             </a:r>
             <a:endParaRPr lang="en-US" altLang="en-US" dirty="0"/>
           </a:p>
@@ -42876,8 +42940,8 @@
           <a:lstStyle/>
           <a:p>
             <a:r>
-              <a:rPr lang="en-US" altLang="en-US" dirty="0" smtClean="0"/>
-              <a:t>14 Septembre 2016</a:t>
+              <a:rPr lang="en-US" altLang="en-US" smtClean="0"/>
+              <a:t>14 September 2016</a:t>
             </a:r>
             <a:endParaRPr lang="en-US" altLang="en-US" dirty="0"/>
           </a:p>
@@ -43126,8 +43190,8 @@
           <a:lstStyle/>
           <a:p>
             <a:r>
-              <a:rPr lang="en-US" altLang="en-US" dirty="0" smtClean="0"/>
-              <a:t>14 Septembre 2016</a:t>
+              <a:rPr lang="en-US" altLang="en-US" smtClean="0"/>
+              <a:t>14 September 2016</a:t>
             </a:r>
             <a:endParaRPr lang="en-US" altLang="en-US" dirty="0"/>
           </a:p>
@@ -43594,8 +43658,8 @@
           <a:lstStyle/>
           <a:p>
             <a:r>
-              <a:rPr lang="en-US" altLang="en-US" dirty="0" smtClean="0"/>
-              <a:t>14 Septembre 2016</a:t>
+              <a:rPr lang="en-US" altLang="en-US" smtClean="0"/>
+              <a:t>14 September 2016</a:t>
             </a:r>
             <a:endParaRPr lang="en-US" altLang="en-US" dirty="0"/>
           </a:p>
@@ -44173,8 +44237,8 @@
           <a:lstStyle/>
           <a:p>
             <a:r>
-              <a:rPr lang="en-US" altLang="en-US" dirty="0" smtClean="0"/>
-              <a:t>14 Septembre 2016</a:t>
+              <a:rPr lang="en-US" altLang="en-US" smtClean="0"/>
+              <a:t>14 September 2016</a:t>
             </a:r>
             <a:endParaRPr lang="en-US" altLang="en-US" dirty="0"/>
           </a:p>
@@ -44378,8 +44442,8 @@
           <a:lstStyle/>
           <a:p>
             <a:r>
-              <a:rPr lang="en-US" altLang="en-US" dirty="0" smtClean="0"/>
-              <a:t>14 Septembre 2016</a:t>
+              <a:rPr lang="en-US" altLang="en-US" smtClean="0"/>
+              <a:t>14 September 2016</a:t>
             </a:r>
             <a:endParaRPr lang="en-US" altLang="en-US" dirty="0"/>
           </a:p>
@@ -44478,12 +44542,8 @@
           <a:lstStyle/>
           <a:p>
             <a:r>
-              <a:rPr lang="en-US" altLang="en-US" dirty="0" smtClean="0"/>
-              <a:t>14 September </a:t>
-            </a:r>
-            <a:r>
-              <a:rPr lang="en-US" altLang="en-US" dirty="0" smtClean="0"/>
-              <a:t>2016</a:t>
+              <a:rPr lang="en-US" altLang="en-US" smtClean="0"/>
+              <a:t>14 September 2016</a:t>
             </a:r>
             <a:endParaRPr lang="en-US" altLang="en-US" dirty="0"/>
           </a:p>
@@ -44794,13 +44854,8 @@
           <a:p>
             <a:r>
               <a:rPr lang="en-US" dirty="0" smtClean="0"/>
-              <a:t>Revised submission (Due </a:t>
-            </a:r>
-            <a:r>
-              <a:rPr lang="en-US" dirty="0" smtClean="0"/>
-              <a:t>in November)</a:t>
-            </a:r>
-            <a:endParaRPr lang="en-US" dirty="0" smtClean="0"/>
+              <a:t>Revised submission (Due in November)</a:t>
+            </a:r>
           </a:p>
           <a:p>
             <a:pPr lvl="1"/>
@@ -44829,7 +44884,6 @@
               <a:rPr lang="en-US" dirty="0" smtClean="0"/>
               <a:t>Clause 9: Tests suite (34 new test descriptions required)</a:t>
             </a:r>
-            <a:endParaRPr lang="en-US" dirty="0" smtClean="0"/>
           </a:p>
           <a:p>
             <a:r>
@@ -44884,16 +44938,8 @@
           <a:lstStyle/>
           <a:p>
             <a:r>
-              <a:rPr lang="en-US" altLang="en-US" dirty="0" smtClean="0"/>
-              <a:t>16 </a:t>
-            </a:r>
-            <a:r>
-              <a:rPr lang="en-US" altLang="en-US" dirty="0" smtClean="0"/>
-              <a:t>September </a:t>
-            </a:r>
-            <a:r>
-              <a:rPr lang="en-US" altLang="en-US" dirty="0" smtClean="0"/>
-              <a:t>2016</a:t>
+              <a:rPr lang="en-US" altLang="en-US" smtClean="0"/>
+              <a:t>14 September 2016</a:t>
             </a:r>
             <a:endParaRPr lang="en-US" altLang="en-US" dirty="0"/>
           </a:p>
@@ -44999,8 +45045,8 @@
           <a:lstStyle/>
           <a:p>
             <a:r>
-              <a:rPr lang="en-US" altLang="en-US" dirty="0"/>
-              <a:t>14 Septembre 2016</a:t>
+              <a:rPr lang="en-US" altLang="en-US" smtClean="0"/>
+              <a:t>14 September 2016</a:t>
             </a:r>
             <a:endParaRPr lang="en-US" altLang="en-US" dirty="0"/>
           </a:p>
@@ -45040,7 +45086,7 @@
             <p:ph idx="1"/>
             <p:extLst>
               <p:ext uri="{D42A27DB-BD31-4B8C-83A1-F6EECF244321}">
-                <p14:modId xmlns:p14="http://schemas.microsoft.com/office/powerpoint/2010/main" val="2064599351"/>
+                <p14:modId xmlns:p14="http://schemas.microsoft.com/office/powerpoint/2010/main" val="406779339"/>
               </p:ext>
             </p:extLst>
           </p:nvPr>
@@ -45382,7 +45428,23 @@
                             <a:srgbClr val="E60019"/>
                           </a:solidFill>
                         </a:rPr>
-                        <a:t>except those related to triggers with ports references</a:t>
+                        <a:t>except those related to </a:t>
+                      </a:r>
+                      <a:r>
+                        <a:rPr lang="en-US" sz="1600" baseline="0" dirty="0" smtClean="0">
+                          <a:solidFill>
+                            <a:srgbClr val="E60019"/>
+                          </a:solidFill>
+                        </a:rPr>
+                        <a:t>triggers-with-ports </a:t>
+                      </a:r>
+                      <a:r>
+                        <a:rPr lang="en-US" sz="1600" baseline="0" dirty="0" smtClean="0">
+                          <a:solidFill>
+                            <a:srgbClr val="E60019"/>
+                          </a:solidFill>
+                        </a:rPr>
+                        <a:t>references</a:t>
                       </a:r>
                       <a:r>
                         <a:rPr lang="en-US" sz="1600" baseline="0" dirty="0" smtClean="0">
@@ -46254,7 +46316,7 @@
             <p:nvPr/>
           </p:nvPicPr>
           <p:blipFill>
-            <a:blip r:embed="rId2">
+            <a:blip r:embed="rId3">
               <a:extLst>
                 <a:ext uri="{28A0092B-C50C-407E-A947-70E740481C1C}">
                   <a14:useLocalDpi xmlns:a14="http://schemas.microsoft.com/office/drawing/2010/main" val="0"/>
@@ -46358,7 +46420,7 @@
             <p:nvPr/>
           </p:nvPicPr>
           <p:blipFill>
-            <a:blip r:embed="rId2">
+            <a:blip r:embed="rId3">
               <a:extLst>
                 <a:ext uri="{28A0092B-C50C-407E-A947-70E740481C1C}">
                   <a14:useLocalDpi xmlns:a14="http://schemas.microsoft.com/office/drawing/2010/main" val="0"/>
@@ -46462,7 +46524,7 @@
             <p:nvPr/>
           </p:nvPicPr>
           <p:blipFill>
-            <a:blip r:embed="rId2">
+            <a:blip r:embed="rId3">
               <a:extLst>
                 <a:ext uri="{28A0092B-C50C-407E-A947-70E740481C1C}">
                   <a14:useLocalDpi xmlns:a14="http://schemas.microsoft.com/office/drawing/2010/main" val="0"/>
@@ -47108,7 +47170,7 @@
           <p:nvPr/>
         </p:nvPicPr>
         <p:blipFill>
-          <a:blip r:embed="rId3">
+          <a:blip r:embed="rId4">
             <a:extLst>
               <a:ext uri="{28A0092B-C50C-407E-A947-70E740481C1C}">
                 <a14:useLocalDpi xmlns:a14="http://schemas.microsoft.com/office/drawing/2010/main" val="0"/>
@@ -47186,8 +47248,8 @@
           <a:lstStyle/>
           <a:p>
             <a:r>
-              <a:rPr lang="en-US" altLang="en-US" dirty="0"/>
-              <a:t>14 Septembre 2016</a:t>
+              <a:rPr lang="en-US" altLang="en-US" smtClean="0"/>
+              <a:t>14 September 2016</a:t>
             </a:r>
             <a:endParaRPr lang="en-US" altLang="en-US" dirty="0"/>
           </a:p>

--- a/Presentations/201609-Chicago-Meeting/PSSM-initial-submission-update.pptx
+++ b/Presentations/201609-Chicago-Meeting/PSSM-initial-submission-update.pptx
@@ -242,7 +242,7 @@
 <file path=ppt/charts/chart1.xml><?xml version="1.0" encoding="utf-8"?>
 <c:chartSpace xmlns:c="http://schemas.openxmlformats.org/drawingml/2006/chart" xmlns:a="http://schemas.openxmlformats.org/drawingml/2006/main" xmlns:r="http://schemas.openxmlformats.org/officeDocument/2006/relationships">
   <c:date1904 val="0"/>
-  <c:lang val="fr-FR"/>
+  <c:lang val="en-US"/>
   <c:roundedCorners val="0"/>
   <mc:AlternateContent xmlns:mc="http://schemas.openxmlformats.org/markup-compatibility/2006">
     <mc:Choice xmlns:c14="http://schemas.microsoft.com/office/drawing/2007/8/2/chart" Requires="c14">
@@ -279,6 +279,7 @@
           </a:p>
         </c:rich>
       </c:tx>
+      <c:layout/>
       <c:overlay val="0"/>
       <c:spPr>
         <a:noFill/>
@@ -303,7 +304,7 @@
               <a:cs typeface="+mn-cs"/>
             </a:defRPr>
           </a:pPr>
-          <a:endParaRPr lang="fr-FR"/>
+          <a:endParaRPr lang="en-US"/>
         </a:p>
       </c:txPr>
     </c:title>
@@ -371,7 +372,7 @@
                     <a:cs typeface="+mn-cs"/>
                   </a:defRPr>
                 </a:pPr>
-                <a:endParaRPr lang="fr-FR"/>
+                <a:endParaRPr lang="en-US"/>
               </a:p>
             </c:txPr>
             <c:dLblPos val="ctr"/>
@@ -384,6 +385,7 @@
             <c:showLeaderLines val="0"/>
             <c:extLst>
               <c:ext xmlns:c15="http://schemas.microsoft.com/office/drawing/2012/chart" uri="{CE6537A1-D6FC-4f65-9D91-7224C49458BB}">
+                <c15:layout/>
                 <c15:showLeaderLines val="1"/>
                 <c15:leaderLines>
                   <c:spPr>
@@ -434,22 +436,22 @@
                 <c:formatCode>General</c:formatCode>
                 <c:ptCount val="6"/>
                 <c:pt idx="0">
-                  <c:v>108</c:v>
+                  <c:v>108.0</c:v>
                 </c:pt>
                 <c:pt idx="1">
-                  <c:v>108</c:v>
+                  <c:v>108.0</c:v>
                 </c:pt>
                 <c:pt idx="2">
-                  <c:v>108</c:v>
+                  <c:v>108.0</c:v>
                 </c:pt>
                 <c:pt idx="3">
-                  <c:v>108</c:v>
+                  <c:v>108.0</c:v>
                 </c:pt>
                 <c:pt idx="4">
-                  <c:v>108</c:v>
+                  <c:v>108.0</c:v>
                 </c:pt>
                 <c:pt idx="5">
-                  <c:v>108</c:v>
+                  <c:v>108.0</c:v>
                 </c:pt>
               </c:numCache>
             </c:numRef>
@@ -514,7 +516,7 @@
                     <a:cs typeface="+mn-cs"/>
                   </a:defRPr>
                 </a:pPr>
-                <a:endParaRPr lang="fr-FR"/>
+                <a:endParaRPr lang="en-US"/>
               </a:p>
             </c:txPr>
             <c:dLblPos val="ctr"/>
@@ -527,6 +529,7 @@
             <c:showLeaderLines val="0"/>
             <c:extLst>
               <c:ext xmlns:c15="http://schemas.microsoft.com/office/drawing/2012/chart" uri="{CE6537A1-D6FC-4f65-9D91-7224C49458BB}">
+                <c15:layout/>
                 <c15:showLeaderLines val="1"/>
                 <c15:leaderLines>
                   <c:spPr>
@@ -577,22 +580,22 @@
                 <c:formatCode>General</c:formatCode>
                 <c:ptCount val="6"/>
                 <c:pt idx="0">
-                  <c:v>0</c:v>
+                  <c:v>0.0</c:v>
                 </c:pt>
                 <c:pt idx="1">
-                  <c:v>41</c:v>
+                  <c:v>41.0</c:v>
                 </c:pt>
                 <c:pt idx="2">
-                  <c:v>70</c:v>
+                  <c:v>70.0</c:v>
                 </c:pt>
                 <c:pt idx="3">
-                  <c:v>88</c:v>
+                  <c:v>88.0</c:v>
                 </c:pt>
                 <c:pt idx="4">
-                  <c:v>94</c:v>
+                  <c:v>94.0</c:v>
                 </c:pt>
                 <c:pt idx="5">
-                  <c:v>108</c:v>
+                  <c:v>108.0</c:v>
                 </c:pt>
               </c:numCache>
             </c:numRef>
@@ -657,7 +660,7 @@
                     <a:cs typeface="+mn-cs"/>
                   </a:defRPr>
                 </a:pPr>
-                <a:endParaRPr lang="fr-FR"/>
+                <a:endParaRPr lang="en-US"/>
               </a:p>
             </c:txPr>
             <c:dLblPos val="ctr"/>
@@ -670,6 +673,7 @@
             <c:showLeaderLines val="0"/>
             <c:extLst>
               <c:ext xmlns:c15="http://schemas.microsoft.com/office/drawing/2012/chart" uri="{CE6537A1-D6FC-4f65-9D91-7224C49458BB}">
+                <c15:layout/>
                 <c15:showLeaderLines val="1"/>
                 <c15:leaderLines>
                   <c:spPr>
@@ -720,22 +724,22 @@
                 <c:formatCode>General</c:formatCode>
                 <c:ptCount val="6"/>
                 <c:pt idx="0">
-                  <c:v>0</c:v>
+                  <c:v>0.0</c:v>
                 </c:pt>
                 <c:pt idx="1">
-                  <c:v>15</c:v>
+                  <c:v>15.0</c:v>
                 </c:pt>
                 <c:pt idx="2">
-                  <c:v>45</c:v>
+                  <c:v>45.0</c:v>
                 </c:pt>
                 <c:pt idx="3">
-                  <c:v>87</c:v>
+                  <c:v>87.0</c:v>
                 </c:pt>
                 <c:pt idx="4">
-                  <c:v>93</c:v>
+                  <c:v>93.0</c:v>
                 </c:pt>
                 <c:pt idx="5">
-                  <c:v>108</c:v>
+                  <c:v>108.0</c:v>
                 </c:pt>
               </c:numCache>
             </c:numRef>
@@ -752,11 +756,11 @@
           <c:showBubbleSize val="0"/>
         </c:dLbls>
         <c:smooth val="0"/>
-        <c:axId val="361710232"/>
-        <c:axId val="361710624"/>
+        <c:axId val="162553504"/>
+        <c:axId val="158286064"/>
       </c:lineChart>
       <c:catAx>
-        <c:axId val="361710232"/>
+        <c:axId val="162553504"/>
         <c:scaling>
           <c:orientation val="minMax"/>
         </c:scaling>
@@ -814,10 +818,10 @@
                 <a:cs typeface="+mn-cs"/>
               </a:defRPr>
             </a:pPr>
-            <a:endParaRPr lang="fr-FR"/>
+            <a:endParaRPr lang="en-US"/>
           </a:p>
         </c:txPr>
-        <c:crossAx val="361710624"/>
+        <c:crossAx val="158286064"/>
         <c:crosses val="autoZero"/>
         <c:auto val="1"/>
         <c:lblAlgn val="ctr"/>
@@ -825,7 +829,7 @@
         <c:noMultiLvlLbl val="0"/>
       </c:catAx>
       <c:valAx>
-        <c:axId val="361710624"/>
+        <c:axId val="158286064"/>
         <c:scaling>
           <c:orientation val="minMax"/>
         </c:scaling>
@@ -883,10 +887,10 @@
                 <a:cs typeface="+mn-cs"/>
               </a:defRPr>
             </a:pPr>
-            <a:endParaRPr lang="fr-FR"/>
+            <a:endParaRPr lang="en-US"/>
           </a:p>
         </c:txPr>
-        <c:crossAx val="361710232"/>
+        <c:crossAx val="162553504"/>
         <c:crosses val="autoZero"/>
         <c:crossBetween val="between"/>
       </c:valAx>
@@ -900,6 +904,7 @@
     </c:plotArea>
     <c:legend>
       <c:legendPos val="t"/>
+      <c:layout/>
       <c:overlay val="0"/>
       <c:spPr>
         <a:noFill/>
@@ -924,7 +929,7 @@
               <a:cs typeface="+mn-cs"/>
             </a:defRPr>
           </a:pPr>
-          <a:endParaRPr lang="fr-FR"/>
+          <a:endParaRPr lang="en-US"/>
         </a:p>
       </c:txPr>
     </c:legend>
@@ -957,7 +962,7 @@
       <a:pPr>
         <a:defRPr/>
       </a:pPr>
-      <a:endParaRPr lang="fr-FR"/>
+      <a:endParaRPr lang="en-US"/>
     </a:p>
   </c:txPr>
   <c:externalData r:id="rId3">
@@ -1637,7 +1642,7 @@
           <a:p>
             <a:fld id="{875AE9CA-C14B-4E19-97C9-513406ADC593}" type="datetimeFigureOut">
               <a:rPr lang="fr-FR" smtClean="0"/>
-              <a:t>14/09/2016</a:t>
+              <a:t>15/09/2016</a:t>
             </a:fld>
             <a:endParaRPr lang="fr-FR"/>
           </a:p>
@@ -1703,7 +1708,7 @@
           <a:p>
             <a:fld id="{D9E359AC-EB57-4019-BE17-C972272DD705}" type="slidenum">
               <a:rPr lang="fr-FR" smtClean="0"/>
-              <a:t>‹N°›</a:t>
+              <a:t>‹#›</a:t>
             </a:fld>
             <a:endParaRPr lang="fr-FR"/>
           </a:p>
@@ -1832,7 +1837,7 @@
               <a:pPr>
                 <a:defRPr/>
               </a:pPr>
-              <a:t>14/09/2016</a:t>
+              <a:t>15/09/2016</a:t>
             </a:fld>
             <a:endParaRPr lang="fr-FR"/>
           </a:p>
@@ -2019,7 +2024,7 @@
               <a:pPr>
                 <a:defRPr/>
               </a:pPr>
-              <a:t>‹N°›</a:t>
+              <a:t>‹#›</a:t>
             </a:fld>
             <a:endParaRPr lang="fr-FR"/>
           </a:p>
@@ -4082,8 +4087,8 @@
         </p:nvSpPr>
         <p:spPr>
           <a:xfrm>
-            <a:off x="457200" y="6245225"/>
-            <a:ext cx="2133600" cy="476250"/>
+            <a:off x="457200" y="6473228"/>
+            <a:ext cx="2133600" cy="268139"/>
           </a:xfrm>
         </p:spPr>
         <p:txBody>
@@ -4114,8 +4119,8 @@
         </p:nvSpPr>
         <p:spPr>
           <a:xfrm>
-            <a:off x="3124200" y="6245225"/>
-            <a:ext cx="2895600" cy="476250"/>
+            <a:off x="3124200" y="6473228"/>
+            <a:ext cx="2895600" cy="268140"/>
           </a:xfrm>
         </p:spPr>
         <p:txBody>
@@ -4142,8 +4147,8 @@
         </p:nvSpPr>
         <p:spPr>
           <a:xfrm>
-            <a:off x="6553200" y="6245225"/>
-            <a:ext cx="2133600" cy="476250"/>
+            <a:off x="6553200" y="6473228"/>
+            <a:ext cx="2133600" cy="268140"/>
           </a:xfrm>
         </p:spPr>
         <p:txBody>
@@ -4157,7 +4162,7 @@
             <a:fld id="{8C53F4D0-3818-D347-966E-B96BA407C75C}" type="slidenum">
               <a:rPr lang="en-US" altLang="en-US"/>
               <a:pPr/>
-              <a:t>‹N°›</a:t>
+              <a:t>‹#›</a:t>
             </a:fld>
             <a:endParaRPr lang="en-US" altLang="en-US"/>
           </a:p>
@@ -4340,7 +4345,7 @@
             <a:fld id="{EF31F519-05A2-CB4D-82FE-1844DED01FAF}" type="slidenum">
               <a:rPr lang="en-US" altLang="en-US"/>
               <a:pPr/>
-              <a:t>‹N°›</a:t>
+              <a:t>‹#›</a:t>
             </a:fld>
             <a:endParaRPr lang="en-US" altLang="en-US"/>
           </a:p>
@@ -4533,7 +4538,7 @@
             <a:fld id="{8098CFB5-4DA6-6948-8AE1-B376C8D7D690}" type="slidenum">
               <a:rPr lang="en-US" altLang="en-US"/>
               <a:pPr/>
-              <a:t>‹N°›</a:t>
+              <a:t>‹#›</a:t>
             </a:fld>
             <a:endParaRPr lang="en-US" altLang="en-US"/>
           </a:p>
@@ -6077,7 +6082,7 @@
             <a:fld id="{24E3016D-4C6C-FC42-B389-9B6B8C67C5F0}" type="slidenum">
               <a:rPr lang="en-US" altLang="en-US"/>
               <a:pPr/>
-              <a:t>‹N°›</a:t>
+              <a:t>‹#›</a:t>
             </a:fld>
             <a:endParaRPr lang="en-US" altLang="en-US"/>
           </a:p>
@@ -6282,7 +6287,7 @@
             <a:fld id="{D703DF45-8AAC-1140-A1E5-0877B369B512}" type="slidenum">
               <a:rPr lang="en-US" altLang="en-US"/>
               <a:pPr/>
-              <a:t>‹N°›</a:t>
+              <a:t>‹#›</a:t>
             </a:fld>
             <a:endParaRPr lang="en-US" altLang="en-US"/>
           </a:p>
@@ -6527,7 +6532,7 @@
             <a:fld id="{3ACE4635-850E-0146-B633-153EE1D425D9}" type="slidenum">
               <a:rPr lang="en-US" altLang="en-US"/>
               <a:pPr/>
-              <a:t>‹N°›</a:t>
+              <a:t>‹#›</a:t>
             </a:fld>
             <a:endParaRPr lang="en-US" altLang="en-US"/>
           </a:p>
@@ -6907,7 +6912,7 @@
             <a:fld id="{7965CB45-47DB-6643-B7C7-6DF31728C16C}" type="slidenum">
               <a:rPr lang="en-US" altLang="en-US"/>
               <a:pPr/>
-              <a:t>‹N°›</a:t>
+              <a:t>‹#›</a:t>
             </a:fld>
             <a:endParaRPr lang="en-US" altLang="en-US"/>
           </a:p>
@@ -7038,7 +7043,7 @@
             <a:fld id="{9F92182E-64AA-F941-A040-F5ADA82DD3F4}" type="slidenum">
               <a:rPr lang="en-US" altLang="en-US"/>
               <a:pPr/>
-              <a:t>‹N°›</a:t>
+              <a:t>‹#›</a:t>
             </a:fld>
             <a:endParaRPr lang="en-US" altLang="en-US"/>
           </a:p>
@@ -7146,7 +7151,7 @@
             <a:fld id="{59A4A638-5E2D-DD44-BE7E-19C18BA4A01F}" type="slidenum">
               <a:rPr lang="en-US" altLang="en-US"/>
               <a:pPr/>
-              <a:t>‹N°›</a:t>
+              <a:t>‹#›</a:t>
             </a:fld>
             <a:endParaRPr lang="en-US" altLang="en-US"/>
           </a:p>
@@ -7436,7 +7441,7 @@
             <a:fld id="{74BF302E-0CEF-AF45-8C5F-763F864163E5}" type="slidenum">
               <a:rPr lang="en-US" altLang="en-US"/>
               <a:pPr/>
-              <a:t>‹N°›</a:t>
+              <a:t>‹#›</a:t>
             </a:fld>
             <a:endParaRPr lang="en-US" altLang="en-US"/>
           </a:p>
@@ -7702,7 +7707,7 @@
             <a:fld id="{C6982A93-F3B6-2C4E-88BF-0CFF9FE172DC}" type="slidenum">
               <a:rPr lang="en-US" altLang="en-US"/>
               <a:pPr/>
-              <a:t>‹N°›</a:t>
+              <a:t>‹#›</a:t>
             </a:fld>
             <a:endParaRPr lang="en-US" altLang="en-US"/>
           </a:p>
@@ -7799,7 +7804,7 @@
               </a14:hiddenEffects>
             </a:ext>
             <a:ext uri="{FAA26D3D-D897-4be2-8F04-BA451C77F1D7}">
-              <ma14:placeholderFlag xmlns:ma14="http://schemas.microsoft.com/office/mac/drawingml/2011/main" xmlns="" val="1"/>
+              <ma14:placeholderFlag xmlns:ma14="http://schemas.microsoft.com/office/mac/drawingml/2011/main" val="1"/>
             </a:ext>
           </a:extLst>
         </p:spPr>
@@ -7872,7 +7877,7 @@
               </a14:hiddenEffects>
             </a:ext>
             <a:ext uri="{FAA26D3D-D897-4be2-8F04-BA451C77F1D7}">
-              <ma14:placeholderFlag xmlns:ma14="http://schemas.microsoft.com/office/mac/drawingml/2011/main" xmlns="" val="1"/>
+              <ma14:placeholderFlag xmlns:ma14="http://schemas.microsoft.com/office/mac/drawingml/2011/main" val="1"/>
             </a:ext>
           </a:extLst>
         </p:spPr>
@@ -7973,7 +7978,7 @@
               </a14:hiddenEffects>
             </a:ext>
             <a:ext uri="{FAA26D3D-D897-4be2-8F04-BA451C77F1D7}">
-              <ma14:placeholderFlag xmlns:ma14="http://schemas.microsoft.com/office/mac/drawingml/2011/main" xmlns="" val="1"/>
+              <ma14:placeholderFlag xmlns:ma14="http://schemas.microsoft.com/office/mac/drawingml/2011/main" val="1"/>
             </a:ext>
           </a:extLst>
         </p:spPr>
@@ -8054,7 +8059,7 @@
               </a14:hiddenEffects>
             </a:ext>
             <a:ext uri="{FAA26D3D-D897-4be2-8F04-BA451C77F1D7}">
-              <ma14:placeholderFlag xmlns:ma14="http://schemas.microsoft.com/office/mac/drawingml/2011/main" xmlns="" val="1"/>
+              <ma14:placeholderFlag xmlns:ma14="http://schemas.microsoft.com/office/mac/drawingml/2011/main" val="1"/>
             </a:ext>
           </a:extLst>
         </p:spPr>
@@ -8127,7 +8132,7 @@
               </a14:hiddenEffects>
             </a:ext>
             <a:ext uri="{FAA26D3D-D897-4be2-8F04-BA451C77F1D7}">
-              <ma14:placeholderFlag xmlns:ma14="http://schemas.microsoft.com/office/mac/drawingml/2011/main" xmlns="" val="1"/>
+              <ma14:placeholderFlag xmlns:ma14="http://schemas.microsoft.com/office/mac/drawingml/2011/main" val="1"/>
             </a:ext>
           </a:extLst>
         </p:spPr>
@@ -8150,7 +8155,7 @@
             <a:fld id="{0751BE5A-F440-5A40-9A6F-164B1A9EAF2B}" type="slidenum">
               <a:rPr lang="en-US" altLang="en-US" smtClean="0"/>
               <a:pPr/>
-              <a:t>‹N°›</a:t>
+              <a:t>‹#›</a:t>
             </a:fld>
             <a:endParaRPr lang="en-US" altLang="en-US"/>
           </a:p>
@@ -16527,7 +16532,7 @@
               </a14:hiddenEffects>
             </a:ext>
             <a:ext uri="{FAA26D3D-D897-4be2-8F04-BA451C77F1D7}">
-              <ma14:placeholderFlag xmlns:ma14="http://schemas.microsoft.com/office/mac/drawingml/2011/main" xmlns="" val="1"/>
+              <ma14:placeholderFlag xmlns:ma14="http://schemas.microsoft.com/office/mac/drawingml/2011/main" val="1"/>
             </a:ext>
           </a:extLst>
         </p:spPr>
@@ -19885,7 +19890,7 @@
               </a14:hiddenEffects>
             </a:ext>
             <a:ext uri="{FAA26D3D-D897-4be2-8F04-BA451C77F1D7}">
-              <ma14:placeholderFlag xmlns:ma14="http://schemas.microsoft.com/office/mac/drawingml/2011/main" xmlns="" val="1"/>
+              <ma14:placeholderFlag xmlns:ma14="http://schemas.microsoft.com/office/mac/drawingml/2011/main" val="1"/>
             </a:ext>
           </a:extLst>
         </p:spPr>
@@ -20373,7 +20378,7 @@
               </a14:hiddenEffects>
             </a:ext>
             <a:ext uri="{FAA26D3D-D897-4be2-8F04-BA451C77F1D7}">
-              <ma14:placeholderFlag xmlns:ma14="http://schemas.microsoft.com/office/mac/drawingml/2011/main" xmlns="" val="1"/>
+              <ma14:placeholderFlag xmlns:ma14="http://schemas.microsoft.com/office/mac/drawingml/2011/main" val="1"/>
             </a:ext>
           </a:extLst>
         </p:spPr>
@@ -20960,7 +20965,7 @@
               </a14:hiddenEffects>
             </a:ext>
             <a:ext uri="{FAA26D3D-D897-4be2-8F04-BA451C77F1D7}">
-              <ma14:placeholderFlag xmlns:ma14="http://schemas.microsoft.com/office/mac/drawingml/2011/main" xmlns="" val="1"/>
+              <ma14:placeholderFlag xmlns:ma14="http://schemas.microsoft.com/office/mac/drawingml/2011/main" val="1"/>
             </a:ext>
           </a:extLst>
         </p:spPr>
@@ -22472,7 +22477,7 @@
               </a14:hiddenEffects>
             </a:ext>
             <a:ext uri="{FAA26D3D-D897-4be2-8F04-BA451C77F1D7}">
-              <ma14:placeholderFlag xmlns:ma14="http://schemas.microsoft.com/office/mac/drawingml/2011/main" xmlns="" val="1"/>
+              <ma14:placeholderFlag xmlns:ma14="http://schemas.microsoft.com/office/mac/drawingml/2011/main" val="1"/>
             </a:ext>
           </a:extLst>
         </p:spPr>
@@ -24095,7 +24100,7 @@
               </a14:hiddenEffects>
             </a:ext>
             <a:ext uri="{FAA26D3D-D897-4be2-8F04-BA451C77F1D7}">
-              <ma14:placeholderFlag xmlns:ma14="http://schemas.microsoft.com/office/mac/drawingml/2011/main" xmlns="" val="1"/>
+              <ma14:placeholderFlag xmlns:ma14="http://schemas.microsoft.com/office/mac/drawingml/2011/main" val="1"/>
             </a:ext>
           </a:extLst>
         </p:spPr>
@@ -27518,7 +27523,7 @@
               </a14:hiddenEffects>
             </a:ext>
             <a:ext uri="{FAA26D3D-D897-4be2-8F04-BA451C77F1D7}">
-              <ma14:placeholderFlag xmlns:ma14="http://schemas.microsoft.com/office/mac/drawingml/2011/main" xmlns="" val="1"/>
+              <ma14:placeholderFlag xmlns:ma14="http://schemas.microsoft.com/office/mac/drawingml/2011/main" val="1"/>
             </a:ext>
           </a:extLst>
         </p:spPr>
@@ -28109,7 +28114,7 @@
               </a14:hiddenEffects>
             </a:ext>
             <a:ext uri="{FAA26D3D-D897-4be2-8F04-BA451C77F1D7}">
-              <ma14:placeholderFlag xmlns:ma14="http://schemas.microsoft.com/office/mac/drawingml/2011/main" xmlns="" val="1"/>
+              <ma14:placeholderFlag xmlns:ma14="http://schemas.microsoft.com/office/mac/drawingml/2011/main" val="1"/>
             </a:ext>
           </a:extLst>
         </p:spPr>
@@ -29976,7 +29981,7 @@
               </a14:hiddenEffects>
             </a:ext>
             <a:ext uri="{FAA26D3D-D897-4be2-8F04-BA451C77F1D7}">
-              <ma14:placeholderFlag xmlns:ma14="http://schemas.microsoft.com/office/mac/drawingml/2011/main" xmlns="" val="1"/>
+              <ma14:placeholderFlag xmlns:ma14="http://schemas.microsoft.com/office/mac/drawingml/2011/main" val="1"/>
             </a:ext>
           </a:extLst>
         </p:spPr>
@@ -30939,7 +30944,7 @@
               </a14:hiddenEffects>
             </a:ext>
             <a:ext uri="{FAA26D3D-D897-4be2-8F04-BA451C77F1D7}">
-              <ma14:placeholderFlag xmlns:ma14="http://schemas.microsoft.com/office/mac/drawingml/2011/main" xmlns="" val="1"/>
+              <ma14:placeholderFlag xmlns:ma14="http://schemas.microsoft.com/office/mac/drawingml/2011/main" val="1"/>
             </a:ext>
           </a:extLst>
         </p:spPr>
@@ -31901,7 +31906,7 @@
               </a14:hiddenEffects>
             </a:ext>
             <a:ext uri="{FAA26D3D-D897-4be2-8F04-BA451C77F1D7}">
-              <ma14:placeholderFlag xmlns:ma14="http://schemas.microsoft.com/office/mac/drawingml/2011/main" xmlns="" val="1"/>
+              <ma14:placeholderFlag xmlns:ma14="http://schemas.microsoft.com/office/mac/drawingml/2011/main" val="1"/>
             </a:ext>
           </a:extLst>
         </p:spPr>
@@ -34202,7 +34207,7 @@
               </a14:hiddenEffects>
             </a:ext>
             <a:ext uri="{FAA26D3D-D897-4be2-8F04-BA451C77F1D7}">
-              <ma14:placeholderFlag xmlns:ma14="http://schemas.microsoft.com/office/mac/drawingml/2011/main" xmlns="" val="1"/>
+              <ma14:placeholderFlag xmlns:ma14="http://schemas.microsoft.com/office/mac/drawingml/2011/main" val="1"/>
             </a:ext>
           </a:extLst>
         </p:spPr>
@@ -34620,7 +34625,7 @@
               </a14:hiddenEffects>
             </a:ext>
             <a:ext uri="{FAA26D3D-D897-4be2-8F04-BA451C77F1D7}">
-              <ma14:placeholderFlag xmlns:ma14="http://schemas.microsoft.com/office/mac/drawingml/2011/main" xmlns="" val="1"/>
+              <ma14:placeholderFlag xmlns:ma14="http://schemas.microsoft.com/office/mac/drawingml/2011/main" val="1"/>
             </a:ext>
           </a:extLst>
         </p:spPr>
